--- a/Matches/USPSA - Renton - July 2021/Bay 4 - Traverse.pptx
+++ b/Matches/USPSA - Renton - July 2021/Bay 4 - Traverse.pptx
@@ -258,7 +258,7 @@
       </p15:sldGuideLst>
     </p:ext>
     <p:ext uri="http://customooxmlschemas.google.com/">
-      <go:slidesCustomData xmlns:go="http://customooxmlschemas.google.com/" r:id="rId9" roundtripDataSignature="AMtx7mhm09zO20nIYeV/FkYAW3g30wNYwg=="/>
+      <go:slidesCustomData xmlns:go="http://customooxmlschemas.google.com/" r:id="rId9" roundtripDataSignature="AMtx7mgIzeYy0VUbh9ZQMJRQDhNtwo27uQ=="/>
     </p:ext>
   </p:extLst>
 </p:presentation>
@@ -1610,7 +1610,7 @@
   <p:cSld>
     <p:spTree>
       <p:nvGrpSpPr>
-        <p:cNvPr id="230" name="Shape 230"/>
+        <p:cNvPr id="229" name="Shape 229"/>
         <p:cNvGrpSpPr/>
         <p:nvPr/>
       </p:nvGrpSpPr>
@@ -1624,7 +1624,7 @@
       </p:grpSpPr>
       <p:sp>
         <p:nvSpPr>
-          <p:cNvPr id="231" name="Google Shape;231;ge6192fd878_0_0:notes"/>
+          <p:cNvPr id="230" name="Google Shape;230;ge6192fd878_0_0:notes"/>
           <p:cNvSpPr/>
           <p:nvPr>
             <p:ph idx="2" type="sldImg"/>
@@ -1669,7 +1669,7 @@
       </p:sp>
       <p:sp>
         <p:nvSpPr>
-          <p:cNvPr id="232" name="Google Shape;232;ge6192fd878_0_0:notes"/>
+          <p:cNvPr id="231" name="Google Shape;231;ge6192fd878_0_0:notes"/>
           <p:cNvSpPr txBox="1"/>
           <p:nvPr>
             <p:ph idx="1" type="body"/>
@@ -1716,7 +1716,7 @@
       </p:sp>
       <p:sp>
         <p:nvSpPr>
-          <p:cNvPr id="233" name="Google Shape;233;ge6192fd878_0_0:notes"/>
+          <p:cNvPr id="232" name="Google Shape;232;ge6192fd878_0_0:notes"/>
           <p:cNvSpPr txBox="1"/>
           <p:nvPr>
             <p:ph idx="12" type="sldNum"/>
@@ -14105,7 +14105,7 @@
             <a:tbl>
               <a:tblPr>
                 <a:noFill/>
-                <a:tableStyleId>{5E9651B4-F3B9-494F-8FEF-F955F5018C48}</a:tableStyleId>
+                <a:tableStyleId>{520E47C2-40AD-42A0-9486-D593BCC793FF}</a:tableStyleId>
               </a:tblPr>
               <a:tblGrid>
                 <a:gridCol w="1041400"/>
@@ -15057,730 +15057,9 @@
           </a:p>
         </p:txBody>
       </p:sp>
-      <p:grpSp>
-        <p:nvGrpSpPr>
-          <p:cNvPr id="131" name="Google Shape;131;p1"/>
-          <p:cNvGrpSpPr/>
-          <p:nvPr/>
-        </p:nvGrpSpPr>
-        <p:grpSpPr>
-          <a:xfrm>
-            <a:off x="1130196" y="3165985"/>
-            <a:ext cx="985984" cy="462257"/>
-            <a:chOff x="5255538" y="3733800"/>
-            <a:chExt cx="1290497" cy="644968"/>
-          </a:xfrm>
-        </p:grpSpPr>
-        <p:sp>
-          <p:nvSpPr>
-            <p:cNvPr id="132" name="Google Shape;132;p1"/>
-            <p:cNvSpPr/>
-            <p:nvPr/>
-          </p:nvSpPr>
-          <p:spPr>
-            <a:xfrm>
-              <a:off x="5280618" y="4016620"/>
-              <a:ext cx="1241481" cy="92598"/>
-            </a:xfrm>
-            <a:prstGeom prst="rect">
-              <a:avLst/>
-            </a:prstGeom>
-            <a:solidFill>
-              <a:schemeClr val="dk1"/>
-            </a:solidFill>
-            <a:ln cap="flat" cmpd="sng" w="9525">
-              <a:solidFill>
-                <a:schemeClr val="dk1"/>
-              </a:solidFill>
-              <a:prstDash val="solid"/>
-              <a:round/>
-              <a:headEnd len="sm" w="sm" type="none"/>
-              <a:tailEnd len="sm" w="sm" type="none"/>
-            </a:ln>
-          </p:spPr>
-          <p:txBody>
-            <a:bodyPr anchorCtr="0" anchor="ctr" bIns="45700" lIns="91425" spcFirstLastPara="1" rIns="91425" wrap="square" tIns="45700">
-              <a:noAutofit/>
-            </a:bodyPr>
-            <a:lstStyle/>
-            <a:p>
-              <a:pPr indent="0" lvl="0" marL="0" marR="0" rtl="0" algn="ctr">
-                <a:spcBef>
-                  <a:spcPts val="0"/>
-                </a:spcBef>
-                <a:spcAft>
-                  <a:spcPts val="0"/>
-                </a:spcAft>
-                <a:buNone/>
-              </a:pPr>
-              <a:r>
-                <a:t/>
-              </a:r>
-              <a:endParaRPr b="0" sz="1800" u="none">
-                <a:solidFill>
-                  <a:schemeClr val="lt1"/>
-                </a:solidFill>
-                <a:latin typeface="Arial"/>
-                <a:ea typeface="Arial"/>
-                <a:cs typeface="Arial"/>
-                <a:sym typeface="Arial"/>
-              </a:endParaRPr>
-            </a:p>
-          </p:txBody>
-        </p:sp>
-        <p:sp>
-          <p:nvSpPr>
-            <p:cNvPr id="133" name="Google Shape;133;p1"/>
-            <p:cNvSpPr/>
-            <p:nvPr/>
-          </p:nvSpPr>
-          <p:spPr>
-            <a:xfrm>
-              <a:off x="5255538" y="3733800"/>
-              <a:ext cx="263525" cy="263525"/>
-            </a:xfrm>
-            <a:prstGeom prst="ellipse">
-              <a:avLst/>
-            </a:prstGeom>
-            <a:solidFill>
-              <a:schemeClr val="lt1"/>
-            </a:solidFill>
-            <a:ln cap="flat" cmpd="sng" w="9525">
-              <a:solidFill>
-                <a:schemeClr val="dk1"/>
-              </a:solidFill>
-              <a:prstDash val="solid"/>
-              <a:round/>
-              <a:headEnd len="sm" w="sm" type="none"/>
-              <a:tailEnd len="sm" w="sm" type="none"/>
-            </a:ln>
-            <a:effectLst>
-              <a:outerShdw blurRad="40000" rotWithShape="0" dir="5400000" dist="23000">
-                <a:srgbClr val="000000">
-                  <a:alpha val="34901"/>
-                </a:srgbClr>
-              </a:outerShdw>
-            </a:effectLst>
-          </p:spPr>
-          <p:txBody>
-            <a:bodyPr anchorCtr="0" anchor="ctr" bIns="45700" lIns="91425" spcFirstLastPara="1" rIns="91425" wrap="square" tIns="45700">
-              <a:noAutofit/>
-            </a:bodyPr>
-            <a:lstStyle/>
-            <a:p>
-              <a:pPr indent="0" lvl="0" marL="0" marR="0" rtl="0" algn="ctr">
-                <a:spcBef>
-                  <a:spcPts val="0"/>
-                </a:spcBef>
-                <a:spcAft>
-                  <a:spcPts val="0"/>
-                </a:spcAft>
-                <a:buNone/>
-              </a:pPr>
-              <a:r>
-                <a:t/>
-              </a:r>
-              <a:endParaRPr b="0" sz="1800" u="none">
-                <a:solidFill>
-                  <a:schemeClr val="lt1"/>
-                </a:solidFill>
-                <a:latin typeface="Arial"/>
-                <a:ea typeface="Arial"/>
-                <a:cs typeface="Arial"/>
-                <a:sym typeface="Arial"/>
-              </a:endParaRPr>
-            </a:p>
-          </p:txBody>
-        </p:sp>
-        <p:sp>
-          <p:nvSpPr>
-            <p:cNvPr id="134" name="Google Shape;134;p1"/>
-            <p:cNvSpPr/>
-            <p:nvPr/>
-          </p:nvSpPr>
-          <p:spPr>
-            <a:xfrm>
-              <a:off x="5554988" y="3733800"/>
-              <a:ext cx="263525" cy="263525"/>
-            </a:xfrm>
-            <a:prstGeom prst="ellipse">
-              <a:avLst/>
-            </a:prstGeom>
-            <a:solidFill>
-              <a:schemeClr val="lt1"/>
-            </a:solidFill>
-            <a:ln cap="flat" cmpd="sng" w="9525">
-              <a:solidFill>
-                <a:schemeClr val="dk1"/>
-              </a:solidFill>
-              <a:prstDash val="solid"/>
-              <a:round/>
-              <a:headEnd len="sm" w="sm" type="none"/>
-              <a:tailEnd len="sm" w="sm" type="none"/>
-            </a:ln>
-            <a:effectLst>
-              <a:outerShdw blurRad="40000" rotWithShape="0" dir="5400000" dist="23000">
-                <a:srgbClr val="000000">
-                  <a:alpha val="34901"/>
-                </a:srgbClr>
-              </a:outerShdw>
-            </a:effectLst>
-          </p:spPr>
-          <p:txBody>
-            <a:bodyPr anchorCtr="0" anchor="ctr" bIns="45700" lIns="91425" spcFirstLastPara="1" rIns="91425" wrap="square" tIns="45700">
-              <a:noAutofit/>
-            </a:bodyPr>
-            <a:lstStyle/>
-            <a:p>
-              <a:pPr indent="0" lvl="0" marL="0" marR="0" rtl="0" algn="ctr">
-                <a:spcBef>
-                  <a:spcPts val="0"/>
-                </a:spcBef>
-                <a:spcAft>
-                  <a:spcPts val="0"/>
-                </a:spcAft>
-                <a:buNone/>
-              </a:pPr>
-              <a:r>
-                <a:t/>
-              </a:r>
-              <a:endParaRPr b="0" sz="1800" u="none">
-                <a:solidFill>
-                  <a:schemeClr val="lt1"/>
-                </a:solidFill>
-                <a:latin typeface="Arial"/>
-                <a:ea typeface="Arial"/>
-                <a:cs typeface="Arial"/>
-                <a:sym typeface="Arial"/>
-              </a:endParaRPr>
-            </a:p>
-          </p:txBody>
-        </p:sp>
-        <p:sp>
-          <p:nvSpPr>
-            <p:cNvPr id="135" name="Google Shape;135;p1"/>
-            <p:cNvSpPr/>
-            <p:nvPr/>
-          </p:nvSpPr>
-          <p:spPr>
-            <a:xfrm>
-              <a:off x="5975584" y="3746346"/>
-              <a:ext cx="263525" cy="263525"/>
-            </a:xfrm>
-            <a:prstGeom prst="ellipse">
-              <a:avLst/>
-            </a:prstGeom>
-            <a:solidFill>
-              <a:schemeClr val="lt1"/>
-            </a:solidFill>
-            <a:ln cap="flat" cmpd="sng" w="9525">
-              <a:solidFill>
-                <a:schemeClr val="dk1"/>
-              </a:solidFill>
-              <a:prstDash val="solid"/>
-              <a:round/>
-              <a:headEnd len="sm" w="sm" type="none"/>
-              <a:tailEnd len="sm" w="sm" type="none"/>
-            </a:ln>
-            <a:effectLst>
-              <a:outerShdw blurRad="40000" rotWithShape="0" dir="5400000" dist="23000">
-                <a:srgbClr val="000000">
-                  <a:alpha val="34901"/>
-                </a:srgbClr>
-              </a:outerShdw>
-            </a:effectLst>
-          </p:spPr>
-          <p:txBody>
-            <a:bodyPr anchorCtr="0" anchor="ctr" bIns="45700" lIns="91425" spcFirstLastPara="1" rIns="91425" wrap="square" tIns="45700">
-              <a:noAutofit/>
-            </a:bodyPr>
-            <a:lstStyle/>
-            <a:p>
-              <a:pPr indent="0" lvl="0" marL="0" marR="0" rtl="0" algn="ctr">
-                <a:spcBef>
-                  <a:spcPts val="0"/>
-                </a:spcBef>
-                <a:spcAft>
-                  <a:spcPts val="0"/>
-                </a:spcAft>
-                <a:buNone/>
-              </a:pPr>
-              <a:r>
-                <a:t/>
-              </a:r>
-              <a:endParaRPr b="0" sz="1800" u="none">
-                <a:solidFill>
-                  <a:schemeClr val="lt1"/>
-                </a:solidFill>
-                <a:latin typeface="Arial"/>
-                <a:ea typeface="Arial"/>
-                <a:cs typeface="Arial"/>
-                <a:sym typeface="Arial"/>
-              </a:endParaRPr>
-            </a:p>
-          </p:txBody>
-        </p:sp>
-        <p:sp>
-          <p:nvSpPr>
-            <p:cNvPr id="136" name="Google Shape;136;p1"/>
-            <p:cNvSpPr/>
-            <p:nvPr/>
-          </p:nvSpPr>
-          <p:spPr>
-            <a:xfrm>
-              <a:off x="6282510" y="3737398"/>
-              <a:ext cx="263525" cy="263525"/>
-            </a:xfrm>
-            <a:prstGeom prst="ellipse">
-              <a:avLst/>
-            </a:prstGeom>
-            <a:solidFill>
-              <a:schemeClr val="lt1"/>
-            </a:solidFill>
-            <a:ln cap="flat" cmpd="sng" w="9525">
-              <a:solidFill>
-                <a:schemeClr val="dk1"/>
-              </a:solidFill>
-              <a:prstDash val="solid"/>
-              <a:round/>
-              <a:headEnd len="sm" w="sm" type="none"/>
-              <a:tailEnd len="sm" w="sm" type="none"/>
-            </a:ln>
-            <a:effectLst>
-              <a:outerShdw blurRad="40000" rotWithShape="0" dir="5400000" dist="23000">
-                <a:srgbClr val="000000">
-                  <a:alpha val="34901"/>
-                </a:srgbClr>
-              </a:outerShdw>
-            </a:effectLst>
-          </p:spPr>
-          <p:txBody>
-            <a:bodyPr anchorCtr="0" anchor="ctr" bIns="45700" lIns="91425" spcFirstLastPara="1" rIns="91425" wrap="square" tIns="45700">
-              <a:noAutofit/>
-            </a:bodyPr>
-            <a:lstStyle/>
-            <a:p>
-              <a:pPr indent="0" lvl="0" marL="0" marR="0" rtl="0" algn="ctr">
-                <a:spcBef>
-                  <a:spcPts val="0"/>
-                </a:spcBef>
-                <a:spcAft>
-                  <a:spcPts val="0"/>
-                </a:spcAft>
-                <a:buNone/>
-              </a:pPr>
-              <a:r>
-                <a:t/>
-              </a:r>
-              <a:endParaRPr b="0" sz="1800" u="none">
-                <a:solidFill>
-                  <a:schemeClr val="lt1"/>
-                </a:solidFill>
-                <a:latin typeface="Arial"/>
-                <a:ea typeface="Arial"/>
-                <a:cs typeface="Arial"/>
-                <a:sym typeface="Arial"/>
-              </a:endParaRPr>
-            </a:p>
-          </p:txBody>
-        </p:sp>
-        <p:sp>
-          <p:nvSpPr>
-            <p:cNvPr id="137" name="Google Shape;137;p1"/>
-            <p:cNvSpPr/>
-            <p:nvPr/>
-          </p:nvSpPr>
-          <p:spPr>
-            <a:xfrm>
-              <a:off x="5336643" y="4115243"/>
-              <a:ext cx="263525" cy="263525"/>
-            </a:xfrm>
-            <a:prstGeom prst="ellipse">
-              <a:avLst/>
-            </a:prstGeom>
-            <a:solidFill>
-              <a:schemeClr val="lt1"/>
-            </a:solidFill>
-            <a:ln cap="flat" cmpd="sng" w="9525">
-              <a:solidFill>
-                <a:schemeClr val="dk1"/>
-              </a:solidFill>
-              <a:prstDash val="solid"/>
-              <a:round/>
-              <a:headEnd len="sm" w="sm" type="none"/>
-              <a:tailEnd len="sm" w="sm" type="none"/>
-            </a:ln>
-            <a:effectLst>
-              <a:outerShdw blurRad="40000" rotWithShape="0" dir="5400000" dist="23000">
-                <a:srgbClr val="000000">
-                  <a:alpha val="34901"/>
-                </a:srgbClr>
-              </a:outerShdw>
-            </a:effectLst>
-          </p:spPr>
-          <p:txBody>
-            <a:bodyPr anchorCtr="0" anchor="ctr" bIns="45700" lIns="91425" spcFirstLastPara="1" rIns="91425" wrap="square" tIns="45700">
-              <a:noAutofit/>
-            </a:bodyPr>
-            <a:lstStyle/>
-            <a:p>
-              <a:pPr indent="0" lvl="0" marL="0" marR="0" rtl="0" algn="ctr">
-                <a:spcBef>
-                  <a:spcPts val="0"/>
-                </a:spcBef>
-                <a:spcAft>
-                  <a:spcPts val="0"/>
-                </a:spcAft>
-                <a:buNone/>
-              </a:pPr>
-              <a:r>
-                <a:t/>
-              </a:r>
-              <a:endParaRPr b="0" sz="1800" u="none">
-                <a:solidFill>
-                  <a:schemeClr val="lt1"/>
-                </a:solidFill>
-                <a:latin typeface="Arial"/>
-                <a:ea typeface="Arial"/>
-                <a:cs typeface="Arial"/>
-                <a:sym typeface="Arial"/>
-              </a:endParaRPr>
-            </a:p>
-          </p:txBody>
-        </p:sp>
-        <p:sp>
-          <p:nvSpPr>
-            <p:cNvPr id="138" name="Google Shape;138;p1"/>
-            <p:cNvSpPr/>
-            <p:nvPr/>
-          </p:nvSpPr>
-          <p:spPr>
-            <a:xfrm>
-              <a:off x="5636093" y="4115243"/>
-              <a:ext cx="263525" cy="263525"/>
-            </a:xfrm>
-            <a:prstGeom prst="ellipse">
-              <a:avLst/>
-            </a:prstGeom>
-            <a:solidFill>
-              <a:schemeClr val="lt1"/>
-            </a:solidFill>
-            <a:ln cap="flat" cmpd="sng" w="9525">
-              <a:solidFill>
-                <a:schemeClr val="dk1"/>
-              </a:solidFill>
-              <a:prstDash val="solid"/>
-              <a:round/>
-              <a:headEnd len="sm" w="sm" type="none"/>
-              <a:tailEnd len="sm" w="sm" type="none"/>
-            </a:ln>
-            <a:effectLst>
-              <a:outerShdw blurRad="40000" rotWithShape="0" dir="5400000" dist="23000">
-                <a:srgbClr val="000000">
-                  <a:alpha val="34901"/>
-                </a:srgbClr>
-              </a:outerShdw>
-            </a:effectLst>
-          </p:spPr>
-          <p:txBody>
-            <a:bodyPr anchorCtr="0" anchor="ctr" bIns="45700" lIns="91425" spcFirstLastPara="1" rIns="91425" wrap="square" tIns="45700">
-              <a:noAutofit/>
-            </a:bodyPr>
-            <a:lstStyle/>
-            <a:p>
-              <a:pPr indent="0" lvl="0" marL="0" marR="0" rtl="0" algn="ctr">
-                <a:spcBef>
-                  <a:spcPts val="0"/>
-                </a:spcBef>
-                <a:spcAft>
-                  <a:spcPts val="0"/>
-                </a:spcAft>
-                <a:buNone/>
-              </a:pPr>
-              <a:r>
-                <a:t/>
-              </a:r>
-              <a:endParaRPr b="0" sz="1800" u="none">
-                <a:solidFill>
-                  <a:schemeClr val="lt1"/>
-                </a:solidFill>
-                <a:latin typeface="Arial"/>
-                <a:ea typeface="Arial"/>
-                <a:cs typeface="Arial"/>
-                <a:sym typeface="Arial"/>
-              </a:endParaRPr>
-            </a:p>
-          </p:txBody>
-        </p:sp>
-        <p:sp>
-          <p:nvSpPr>
-            <p:cNvPr id="139" name="Google Shape;139;p1"/>
-            <p:cNvSpPr/>
-            <p:nvPr/>
-          </p:nvSpPr>
-          <p:spPr>
-            <a:xfrm>
-              <a:off x="5935543" y="4115243"/>
-              <a:ext cx="263525" cy="263525"/>
-            </a:xfrm>
-            <a:prstGeom prst="ellipse">
-              <a:avLst/>
-            </a:prstGeom>
-            <a:solidFill>
-              <a:schemeClr val="lt1"/>
-            </a:solidFill>
-            <a:ln cap="flat" cmpd="sng" w="9525">
-              <a:solidFill>
-                <a:schemeClr val="dk1"/>
-              </a:solidFill>
-              <a:prstDash val="solid"/>
-              <a:round/>
-              <a:headEnd len="sm" w="sm" type="none"/>
-              <a:tailEnd len="sm" w="sm" type="none"/>
-            </a:ln>
-            <a:effectLst>
-              <a:outerShdw blurRad="40000" rotWithShape="0" dir="5400000" dist="23000">
-                <a:srgbClr val="000000">
-                  <a:alpha val="34901"/>
-                </a:srgbClr>
-              </a:outerShdw>
-            </a:effectLst>
-          </p:spPr>
-          <p:txBody>
-            <a:bodyPr anchorCtr="0" anchor="ctr" bIns="45700" lIns="91425" spcFirstLastPara="1" rIns="91425" wrap="square" tIns="45700">
-              <a:noAutofit/>
-            </a:bodyPr>
-            <a:lstStyle/>
-            <a:p>
-              <a:pPr indent="0" lvl="0" marL="0" marR="0" rtl="0" algn="ctr">
-                <a:spcBef>
-                  <a:spcPts val="0"/>
-                </a:spcBef>
-                <a:spcAft>
-                  <a:spcPts val="0"/>
-                </a:spcAft>
-                <a:buNone/>
-              </a:pPr>
-              <a:r>
-                <a:t/>
-              </a:r>
-              <a:endParaRPr b="0" sz="1800" u="none">
-                <a:solidFill>
-                  <a:schemeClr val="lt1"/>
-                </a:solidFill>
-                <a:latin typeface="Arial"/>
-                <a:ea typeface="Arial"/>
-                <a:cs typeface="Arial"/>
-                <a:sym typeface="Arial"/>
-              </a:endParaRPr>
-            </a:p>
-          </p:txBody>
-        </p:sp>
-        <p:sp>
-          <p:nvSpPr>
-            <p:cNvPr id="140" name="Google Shape;140;p1"/>
-            <p:cNvSpPr/>
-            <p:nvPr/>
-          </p:nvSpPr>
-          <p:spPr>
-            <a:xfrm>
-              <a:off x="6242469" y="4106295"/>
-              <a:ext cx="263525" cy="263525"/>
-            </a:xfrm>
-            <a:prstGeom prst="ellipse">
-              <a:avLst/>
-            </a:prstGeom>
-            <a:solidFill>
-              <a:schemeClr val="lt1"/>
-            </a:solidFill>
-            <a:ln cap="flat" cmpd="sng" w="9525">
-              <a:solidFill>
-                <a:schemeClr val="dk1"/>
-              </a:solidFill>
-              <a:prstDash val="solid"/>
-              <a:round/>
-              <a:headEnd len="sm" w="sm" type="none"/>
-              <a:tailEnd len="sm" w="sm" type="none"/>
-            </a:ln>
-            <a:effectLst>
-              <a:outerShdw blurRad="40000" rotWithShape="0" dir="5400000" dist="23000">
-                <a:srgbClr val="000000">
-                  <a:alpha val="34901"/>
-                </a:srgbClr>
-              </a:outerShdw>
-            </a:effectLst>
-          </p:spPr>
-          <p:txBody>
-            <a:bodyPr anchorCtr="0" anchor="ctr" bIns="45700" lIns="91425" spcFirstLastPara="1" rIns="91425" wrap="square" tIns="45700">
-              <a:noAutofit/>
-            </a:bodyPr>
-            <a:lstStyle/>
-            <a:p>
-              <a:pPr indent="0" lvl="0" marL="0" marR="0" rtl="0" algn="ctr">
-                <a:spcBef>
-                  <a:spcPts val="0"/>
-                </a:spcBef>
-                <a:spcAft>
-                  <a:spcPts val="0"/>
-                </a:spcAft>
-                <a:buNone/>
-              </a:pPr>
-              <a:r>
-                <a:t/>
-              </a:r>
-              <a:endParaRPr b="0" sz="1800" u="none">
-                <a:solidFill>
-                  <a:schemeClr val="lt1"/>
-                </a:solidFill>
-                <a:latin typeface="Arial"/>
-                <a:ea typeface="Arial"/>
-                <a:cs typeface="Arial"/>
-                <a:sym typeface="Arial"/>
-              </a:endParaRPr>
-            </a:p>
-          </p:txBody>
-        </p:sp>
-      </p:grpSp>
-      <p:grpSp>
-        <p:nvGrpSpPr>
-          <p:cNvPr id="141" name="Google Shape;141;p1"/>
-          <p:cNvGrpSpPr/>
-          <p:nvPr/>
-        </p:nvGrpSpPr>
-        <p:grpSpPr>
-          <a:xfrm>
-            <a:off x="1425655" y="3328384"/>
-            <a:ext cx="361687" cy="1186938"/>
-            <a:chOff x="2901" y="4325"/>
-            <a:chExt cx="236" cy="690"/>
-          </a:xfrm>
-        </p:grpSpPr>
-        <p:sp>
-          <p:nvSpPr>
-            <p:cNvPr id="142" name="Google Shape;142;p1"/>
-            <p:cNvSpPr/>
-            <p:nvPr/>
-          </p:nvSpPr>
-          <p:spPr>
-            <a:xfrm>
-              <a:off x="2901" y="4625"/>
-              <a:ext cx="236" cy="390"/>
-            </a:xfrm>
-            <a:prstGeom prst="can">
-              <a:avLst>
-                <a:gd fmla="val 41314" name="adj"/>
-              </a:avLst>
-            </a:prstGeom>
-            <a:solidFill>
-              <a:srgbClr val="73D9F1">
-                <a:alpha val="49803"/>
-              </a:srgbClr>
-            </a:solidFill>
-            <a:ln cap="flat" cmpd="sng" w="9525">
-              <a:solidFill>
-                <a:schemeClr val="dk1"/>
-              </a:solidFill>
-              <a:prstDash val="solid"/>
-              <a:round/>
-              <a:headEnd len="sm" w="sm" type="none"/>
-              <a:tailEnd len="sm" w="sm" type="none"/>
-            </a:ln>
-          </p:spPr>
-          <p:txBody>
-            <a:bodyPr anchorCtr="0" anchor="ctr" bIns="45700" lIns="91425" spcFirstLastPara="1" rIns="91425" wrap="square" tIns="45700">
-              <a:noAutofit/>
-            </a:bodyPr>
-            <a:lstStyle/>
-            <a:p>
-              <a:pPr indent="0" lvl="0" marL="0" marR="0" rtl="0" algn="l">
-                <a:spcBef>
-                  <a:spcPts val="0"/>
-                </a:spcBef>
-                <a:spcAft>
-                  <a:spcPts val="0"/>
-                </a:spcAft>
-                <a:buNone/>
-              </a:pPr>
-              <a:r>
-                <a:t/>
-              </a:r>
-              <a:endParaRPr b="0" sz="1800" u="none">
-                <a:solidFill>
-                  <a:schemeClr val="dk1"/>
-                </a:solidFill>
-                <a:latin typeface="Arial"/>
-                <a:ea typeface="Arial"/>
-                <a:cs typeface="Arial"/>
-                <a:sym typeface="Arial"/>
-              </a:endParaRPr>
-            </a:p>
-          </p:txBody>
-        </p:sp>
-        <p:sp>
-          <p:nvSpPr>
-            <p:cNvPr id="143" name="Google Shape;143;p1"/>
-            <p:cNvSpPr/>
-            <p:nvPr/>
-          </p:nvSpPr>
-          <p:spPr>
-            <a:xfrm>
-              <a:off x="2901" y="4325"/>
-              <a:ext cx="236" cy="390"/>
-            </a:xfrm>
-            <a:prstGeom prst="can">
-              <a:avLst>
-                <a:gd fmla="val 41314" name="adj"/>
-              </a:avLst>
-            </a:prstGeom>
-            <a:solidFill>
-              <a:srgbClr val="73D9F1">
-                <a:alpha val="49803"/>
-              </a:srgbClr>
-            </a:solidFill>
-            <a:ln cap="flat" cmpd="sng" w="9525">
-              <a:solidFill>
-                <a:schemeClr val="dk1"/>
-              </a:solidFill>
-              <a:prstDash val="solid"/>
-              <a:round/>
-              <a:headEnd len="sm" w="sm" type="none"/>
-              <a:tailEnd len="sm" w="sm" type="none"/>
-            </a:ln>
-          </p:spPr>
-          <p:txBody>
-            <a:bodyPr anchorCtr="0" anchor="ctr" bIns="45700" lIns="91425" spcFirstLastPara="1" rIns="91425" wrap="square" tIns="45700">
-              <a:noAutofit/>
-            </a:bodyPr>
-            <a:lstStyle/>
-            <a:p>
-              <a:pPr indent="0" lvl="0" marL="0" marR="0" rtl="0" algn="l">
-                <a:spcBef>
-                  <a:spcPts val="0"/>
-                </a:spcBef>
-                <a:spcAft>
-                  <a:spcPts val="0"/>
-                </a:spcAft>
-                <a:buNone/>
-              </a:pPr>
-              <a:r>
-                <a:t/>
-              </a:r>
-              <a:endParaRPr b="0" sz="1800" u="none">
-                <a:solidFill>
-                  <a:schemeClr val="dk1"/>
-                </a:solidFill>
-                <a:latin typeface="Arial"/>
-                <a:ea typeface="Arial"/>
-                <a:cs typeface="Arial"/>
-                <a:sym typeface="Arial"/>
-              </a:endParaRPr>
-            </a:p>
-          </p:txBody>
-        </p:sp>
-      </p:grpSp>
       <p:cxnSp>
         <p:nvCxnSpPr>
-          <p:cNvPr id="144" name="Google Shape;144;p1"/>
+          <p:cNvPr id="131" name="Google Shape;131;p1"/>
           <p:cNvCxnSpPr/>
           <p:nvPr/>
         </p:nvCxnSpPr>
@@ -15806,14 +15085,14 @@
       </p:cxnSp>
       <p:cxnSp>
         <p:nvCxnSpPr>
-          <p:cNvPr id="145" name="Google Shape;145;p1"/>
+          <p:cNvPr id="132" name="Google Shape;132;p1"/>
           <p:cNvCxnSpPr/>
           <p:nvPr/>
         </p:nvCxnSpPr>
         <p:spPr>
           <a:xfrm>
             <a:off x="1557005" y="6145070"/>
-            <a:ext cx="4649734" cy="2379207"/>
+            <a:ext cx="5729700" cy="2956200"/>
           </a:xfrm>
           <a:prstGeom prst="straightConnector1">
             <a:avLst/>
@@ -15832,7 +15111,7 @@
       </p:cxnSp>
       <p:sp>
         <p:nvSpPr>
-          <p:cNvPr id="146" name="Google Shape;146;p1"/>
+          <p:cNvPr id="133" name="Google Shape;133;p1"/>
           <p:cNvSpPr/>
           <p:nvPr/>
         </p:nvSpPr>
@@ -15911,7 +15190,7 @@
       </p:sp>
       <p:grpSp>
         <p:nvGrpSpPr>
-          <p:cNvPr id="147" name="Google Shape;147;p1"/>
+          <p:cNvPr id="134" name="Google Shape;134;p1"/>
           <p:cNvGrpSpPr/>
           <p:nvPr/>
         </p:nvGrpSpPr>
@@ -15925,7 +15204,7 @@
         </p:grpSpPr>
         <p:sp>
           <p:nvSpPr>
-            <p:cNvPr id="148" name="Google Shape;148;p1"/>
+            <p:cNvPr id="135" name="Google Shape;135;p1"/>
             <p:cNvSpPr/>
             <p:nvPr/>
           </p:nvSpPr>
@@ -15982,7 +15261,7 @@
         </p:sp>
         <p:sp>
           <p:nvSpPr>
-            <p:cNvPr id="149" name="Google Shape;149;p1"/>
+            <p:cNvPr id="136" name="Google Shape;136;p1"/>
             <p:cNvSpPr/>
             <p:nvPr/>
           </p:nvSpPr>
@@ -16039,7 +15318,7 @@
         </p:sp>
         <p:sp>
           <p:nvSpPr>
-            <p:cNvPr id="150" name="Google Shape;150;p1"/>
+            <p:cNvPr id="137" name="Google Shape;137;p1"/>
             <p:cNvSpPr/>
             <p:nvPr/>
           </p:nvSpPr>
@@ -16115,7 +15394,7 @@
         </p:sp>
         <p:sp>
           <p:nvSpPr>
-            <p:cNvPr id="151" name="Google Shape;151;p1"/>
+            <p:cNvPr id="138" name="Google Shape;138;p1"/>
             <p:cNvSpPr/>
             <p:nvPr/>
           </p:nvSpPr>
@@ -16172,7 +15451,7 @@
         </p:sp>
         <p:sp>
           <p:nvSpPr>
-            <p:cNvPr id="152" name="Google Shape;152;p1"/>
+            <p:cNvPr id="139" name="Google Shape;139;p1"/>
             <p:cNvSpPr/>
             <p:nvPr/>
           </p:nvSpPr>
@@ -16223,7 +15502,7 @@
         </p:sp>
         <p:sp>
           <p:nvSpPr>
-            <p:cNvPr id="153" name="Google Shape;153;p1"/>
+            <p:cNvPr id="140" name="Google Shape;140;p1"/>
             <p:cNvSpPr/>
             <p:nvPr/>
           </p:nvSpPr>
@@ -16280,7 +15559,7 @@
         </p:sp>
         <p:sp>
           <p:nvSpPr>
-            <p:cNvPr id="154" name="Google Shape;154;p1"/>
+            <p:cNvPr id="141" name="Google Shape;141;p1"/>
             <p:cNvSpPr/>
             <p:nvPr/>
           </p:nvSpPr>
@@ -16338,7 +15617,7 @@
       </p:grpSp>
       <p:sp>
         <p:nvSpPr>
-          <p:cNvPr id="155" name="Google Shape;155;p1"/>
+          <p:cNvPr id="142" name="Google Shape;142;p1"/>
           <p:cNvSpPr/>
           <p:nvPr/>
         </p:nvSpPr>
@@ -16417,7 +15696,7 @@
       </p:sp>
       <p:grpSp>
         <p:nvGrpSpPr>
-          <p:cNvPr id="156" name="Google Shape;156;p1"/>
+          <p:cNvPr id="143" name="Google Shape;143;p1"/>
           <p:cNvGrpSpPr/>
           <p:nvPr/>
         </p:nvGrpSpPr>
@@ -16431,7 +15710,7 @@
         </p:grpSpPr>
         <p:cxnSp>
           <p:nvCxnSpPr>
-            <p:cNvPr id="157" name="Google Shape;157;p1"/>
+            <p:cNvPr id="144" name="Google Shape;144;p1"/>
             <p:cNvCxnSpPr/>
             <p:nvPr/>
           </p:nvCxnSpPr>
@@ -16457,7 +15736,7 @@
         </p:cxnSp>
         <p:cxnSp>
           <p:nvCxnSpPr>
-            <p:cNvPr id="158" name="Google Shape;158;p1"/>
+            <p:cNvPr id="145" name="Google Shape;145;p1"/>
             <p:cNvCxnSpPr/>
             <p:nvPr/>
           </p:nvCxnSpPr>
@@ -16483,7 +15762,7 @@
         </p:cxnSp>
         <p:cxnSp>
           <p:nvCxnSpPr>
-            <p:cNvPr id="159" name="Google Shape;159;p1"/>
+            <p:cNvPr id="146" name="Google Shape;146;p1"/>
             <p:cNvCxnSpPr/>
             <p:nvPr/>
           </p:nvCxnSpPr>
@@ -16509,7 +15788,7 @@
         </p:cxnSp>
         <p:cxnSp>
           <p:nvCxnSpPr>
-            <p:cNvPr id="160" name="Google Shape;160;p1"/>
+            <p:cNvPr id="147" name="Google Shape;147;p1"/>
             <p:cNvCxnSpPr/>
             <p:nvPr/>
           </p:nvCxnSpPr>
@@ -16536,7 +15815,7 @@
       </p:grpSp>
       <p:sp>
         <p:nvSpPr>
-          <p:cNvPr id="161" name="Google Shape;161;p1"/>
+          <p:cNvPr id="148" name="Google Shape;148;p1"/>
           <p:cNvSpPr/>
           <p:nvPr/>
         </p:nvSpPr>
@@ -16615,7 +15894,7 @@
       </p:sp>
       <p:sp>
         <p:nvSpPr>
-          <p:cNvPr id="162" name="Google Shape;162;p1"/>
+          <p:cNvPr id="149" name="Google Shape;149;p1"/>
           <p:cNvSpPr/>
           <p:nvPr/>
         </p:nvSpPr>
@@ -16694,7 +15973,7 @@
       </p:sp>
       <p:grpSp>
         <p:nvGrpSpPr>
-          <p:cNvPr id="163" name="Google Shape;163;p1"/>
+          <p:cNvPr id="150" name="Google Shape;150;p1"/>
           <p:cNvGrpSpPr/>
           <p:nvPr/>
         </p:nvGrpSpPr>
@@ -16708,7 +15987,7 @@
         </p:grpSpPr>
         <p:grpSp>
           <p:nvGrpSpPr>
-            <p:cNvPr id="164" name="Google Shape;164;p1"/>
+            <p:cNvPr id="151" name="Google Shape;151;p1"/>
             <p:cNvGrpSpPr/>
             <p:nvPr/>
           </p:nvGrpSpPr>
@@ -16722,7 +16001,7 @@
           </p:grpSpPr>
           <p:sp>
             <p:nvSpPr>
-              <p:cNvPr id="165" name="Google Shape;165;p1"/>
+              <p:cNvPr id="152" name="Google Shape;152;p1"/>
               <p:cNvSpPr/>
               <p:nvPr/>
             </p:nvSpPr>
@@ -16822,7 +16101,7 @@
           </p:sp>
           <p:sp>
             <p:nvSpPr>
-              <p:cNvPr id="166" name="Google Shape;166;p1"/>
+              <p:cNvPr id="153" name="Google Shape;153;p1"/>
               <p:cNvSpPr/>
               <p:nvPr/>
             </p:nvSpPr>
@@ -16906,7 +16185,7 @@
         </p:grpSp>
         <p:grpSp>
           <p:nvGrpSpPr>
-            <p:cNvPr id="167" name="Google Shape;167;p1"/>
+            <p:cNvPr id="154" name="Google Shape;154;p1"/>
             <p:cNvGrpSpPr/>
             <p:nvPr/>
           </p:nvGrpSpPr>
@@ -16920,7 +16199,7 @@
           </p:grpSpPr>
           <p:cxnSp>
             <p:nvCxnSpPr>
-              <p:cNvPr id="168" name="Google Shape;168;p1"/>
+              <p:cNvPr id="155" name="Google Shape;155;p1"/>
               <p:cNvCxnSpPr/>
               <p:nvPr/>
             </p:nvCxnSpPr>
@@ -16946,7 +16225,7 @@
           </p:cxnSp>
           <p:cxnSp>
             <p:nvCxnSpPr>
-              <p:cNvPr id="169" name="Google Shape;169;p1"/>
+              <p:cNvPr id="156" name="Google Shape;156;p1"/>
               <p:cNvCxnSpPr/>
               <p:nvPr/>
             </p:nvCxnSpPr>
@@ -16972,7 +16251,7 @@
           </p:cxnSp>
           <p:sp>
             <p:nvSpPr>
-              <p:cNvPr id="170" name="Google Shape;170;p1"/>
+              <p:cNvPr id="157" name="Google Shape;157;p1"/>
               <p:cNvSpPr/>
               <p:nvPr/>
             </p:nvSpPr>
@@ -17074,355 +16353,7 @@
       </p:grpSp>
       <p:grpSp>
         <p:nvGrpSpPr>
-          <p:cNvPr id="171" name="Google Shape;171;p1"/>
-          <p:cNvGrpSpPr/>
-          <p:nvPr/>
-        </p:nvGrpSpPr>
-        <p:grpSpPr>
-          <a:xfrm>
-            <a:off x="3527332" y="2812083"/>
-            <a:ext cx="261268" cy="767368"/>
-            <a:chOff x="11353800" y="3352800"/>
-            <a:chExt cx="307975" cy="852522"/>
-          </a:xfrm>
-        </p:grpSpPr>
-        <p:sp>
-          <p:nvSpPr>
-            <p:cNvPr id="172" name="Google Shape;172;p1"/>
-            <p:cNvSpPr/>
-            <p:nvPr/>
-          </p:nvSpPr>
-          <p:spPr>
-            <a:xfrm>
-              <a:off x="11353800" y="3352800"/>
-              <a:ext cx="307975" cy="527051"/>
-            </a:xfrm>
-            <a:custGeom>
-              <a:rect b="b" l="l" r="r" t="t"/>
-              <a:pathLst>
-                <a:path extrusionOk="0" h="517" w="277">
-                  <a:moveTo>
-                    <a:pt x="89" y="0"/>
-                  </a:moveTo>
-                  <a:lnTo>
-                    <a:pt x="191" y="0"/>
-                  </a:lnTo>
-                  <a:lnTo>
-                    <a:pt x="191" y="105"/>
-                  </a:lnTo>
-                  <a:lnTo>
-                    <a:pt x="225" y="105"/>
-                  </a:lnTo>
-                  <a:lnTo>
-                    <a:pt x="276" y="139"/>
-                  </a:lnTo>
-                  <a:lnTo>
-                    <a:pt x="276" y="415"/>
-                  </a:lnTo>
-                  <a:lnTo>
-                    <a:pt x="225" y="516"/>
-                  </a:lnTo>
-                  <a:lnTo>
-                    <a:pt x="51" y="516"/>
-                  </a:lnTo>
-                  <a:lnTo>
-                    <a:pt x="0" y="415"/>
-                  </a:lnTo>
-                  <a:lnTo>
-                    <a:pt x="0" y="139"/>
-                  </a:lnTo>
-                  <a:lnTo>
-                    <a:pt x="51" y="105"/>
-                  </a:lnTo>
-                  <a:lnTo>
-                    <a:pt x="89" y="105"/>
-                  </a:lnTo>
-                  <a:lnTo>
-                    <a:pt x="89" y="0"/>
-                  </a:lnTo>
-                </a:path>
-              </a:pathLst>
-            </a:custGeom>
-            <a:solidFill>
-              <a:srgbClr val="FFCC99"/>
-            </a:solidFill>
-            <a:ln cap="rnd" cmpd="sng" w="12700">
-              <a:solidFill>
-                <a:schemeClr val="dk1"/>
-              </a:solidFill>
-              <a:prstDash val="solid"/>
-              <a:round/>
-              <a:headEnd len="med" w="med" type="none"/>
-              <a:tailEnd len="med" w="med" type="none"/>
-            </a:ln>
-          </p:spPr>
-          <p:txBody>
-            <a:bodyPr anchorCtr="0" anchor="t" bIns="45700" lIns="91425" spcFirstLastPara="1" rIns="91425" wrap="square" tIns="45700">
-              <a:noAutofit/>
-            </a:bodyPr>
-            <a:lstStyle/>
-            <a:p>
-              <a:pPr indent="0" lvl="0" marL="0" marR="0" rtl="0" algn="l">
-                <a:spcBef>
-                  <a:spcPts val="0"/>
-                </a:spcBef>
-                <a:spcAft>
-                  <a:spcPts val="0"/>
-                </a:spcAft>
-                <a:buNone/>
-              </a:pPr>
-              <a:r>
-                <a:t/>
-              </a:r>
-              <a:endParaRPr sz="1800">
-                <a:solidFill>
-                  <a:schemeClr val="dk1"/>
-                </a:solidFill>
-                <a:latin typeface="Arial"/>
-                <a:ea typeface="Arial"/>
-                <a:cs typeface="Arial"/>
-                <a:sym typeface="Arial"/>
-              </a:endParaRPr>
-            </a:p>
-          </p:txBody>
-        </p:sp>
-        <p:sp>
-          <p:nvSpPr>
-            <p:cNvPr id="173" name="Google Shape;173;p1"/>
-            <p:cNvSpPr/>
-            <p:nvPr/>
-          </p:nvSpPr>
-          <p:spPr>
-            <a:xfrm>
-              <a:off x="11601620" y="3451691"/>
-              <a:ext cx="45719" cy="416580"/>
-            </a:xfrm>
-            <a:custGeom>
-              <a:rect b="b" l="l" r="r" t="t"/>
-              <a:pathLst>
-                <a:path extrusionOk="0" h="264" w="56">
-                  <a:moveTo>
-                    <a:pt x="0" y="3"/>
-                  </a:moveTo>
-                  <a:lnTo>
-                    <a:pt x="0" y="264"/>
-                  </a:lnTo>
-                  <a:lnTo>
-                    <a:pt x="21" y="264"/>
-                  </a:lnTo>
-                  <a:lnTo>
-                    <a:pt x="56" y="200"/>
-                  </a:lnTo>
-                  <a:lnTo>
-                    <a:pt x="56" y="23"/>
-                  </a:lnTo>
-                  <a:lnTo>
-                    <a:pt x="21" y="0"/>
-                  </a:lnTo>
-                  <a:lnTo>
-                    <a:pt x="0" y="3"/>
-                  </a:lnTo>
-                  <a:close/>
-                </a:path>
-              </a:pathLst>
-            </a:custGeom>
-            <a:solidFill>
-              <a:schemeClr val="dk1"/>
-            </a:solidFill>
-            <a:ln cap="flat" cmpd="sng" w="9525">
-              <a:solidFill>
-                <a:schemeClr val="dk1"/>
-              </a:solidFill>
-              <a:prstDash val="solid"/>
-              <a:round/>
-              <a:headEnd len="sm" w="sm" type="none"/>
-              <a:tailEnd len="sm" w="sm" type="none"/>
-            </a:ln>
-          </p:spPr>
-          <p:txBody>
-            <a:bodyPr anchorCtr="0" anchor="t" bIns="45700" lIns="91425" spcFirstLastPara="1" rIns="91425" wrap="square" tIns="45700">
-              <a:noAutofit/>
-            </a:bodyPr>
-            <a:lstStyle/>
-            <a:p>
-              <a:pPr indent="0" lvl="0" marL="0" marR="0" rtl="0" algn="l">
-                <a:spcBef>
-                  <a:spcPts val="0"/>
-                </a:spcBef>
-                <a:spcAft>
-                  <a:spcPts val="0"/>
-                </a:spcAft>
-                <a:buNone/>
-              </a:pPr>
-              <a:r>
-                <a:t/>
-              </a:r>
-              <a:endParaRPr sz="1800">
-                <a:solidFill>
-                  <a:schemeClr val="dk1"/>
-                </a:solidFill>
-                <a:latin typeface="Arial"/>
-                <a:ea typeface="Arial"/>
-                <a:cs typeface="Arial"/>
-                <a:sym typeface="Arial"/>
-              </a:endParaRPr>
-            </a:p>
-          </p:txBody>
-        </p:sp>
-        <p:sp>
-          <p:nvSpPr>
-            <p:cNvPr id="174" name="Google Shape;174;p1"/>
-            <p:cNvSpPr/>
-            <p:nvPr/>
-          </p:nvSpPr>
-          <p:spPr>
-            <a:xfrm flipH="1">
-              <a:off x="11353800" y="3461998"/>
-              <a:ext cx="45720" cy="416580"/>
-            </a:xfrm>
-            <a:custGeom>
-              <a:rect b="b" l="l" r="r" t="t"/>
-              <a:pathLst>
-                <a:path extrusionOk="0" h="264" w="56">
-                  <a:moveTo>
-                    <a:pt x="0" y="3"/>
-                  </a:moveTo>
-                  <a:lnTo>
-                    <a:pt x="0" y="264"/>
-                  </a:lnTo>
-                  <a:lnTo>
-                    <a:pt x="21" y="264"/>
-                  </a:lnTo>
-                  <a:lnTo>
-                    <a:pt x="56" y="200"/>
-                  </a:lnTo>
-                  <a:lnTo>
-                    <a:pt x="56" y="23"/>
-                  </a:lnTo>
-                  <a:lnTo>
-                    <a:pt x="21" y="0"/>
-                  </a:lnTo>
-                  <a:lnTo>
-                    <a:pt x="0" y="3"/>
-                  </a:lnTo>
-                  <a:close/>
-                </a:path>
-              </a:pathLst>
-            </a:custGeom>
-            <a:solidFill>
-              <a:schemeClr val="dk1"/>
-            </a:solidFill>
-            <a:ln cap="flat" cmpd="sng" w="9525">
-              <a:solidFill>
-                <a:schemeClr val="dk1"/>
-              </a:solidFill>
-              <a:prstDash val="solid"/>
-              <a:round/>
-              <a:headEnd len="sm" w="sm" type="none"/>
-              <a:tailEnd len="sm" w="sm" type="none"/>
-            </a:ln>
-          </p:spPr>
-          <p:txBody>
-            <a:bodyPr anchorCtr="0" anchor="t" bIns="45700" lIns="91425" spcFirstLastPara="1" rIns="91425" wrap="square" tIns="45700">
-              <a:noAutofit/>
-            </a:bodyPr>
-            <a:lstStyle/>
-            <a:p>
-              <a:pPr indent="0" lvl="0" marL="0" marR="0" rtl="0" algn="l">
-                <a:spcBef>
-                  <a:spcPts val="0"/>
-                </a:spcBef>
-                <a:spcAft>
-                  <a:spcPts val="0"/>
-                </a:spcAft>
-                <a:buNone/>
-              </a:pPr>
-              <a:r>
-                <a:t/>
-              </a:r>
-              <a:endParaRPr sz="1800">
-                <a:solidFill>
-                  <a:schemeClr val="dk1"/>
-                </a:solidFill>
-                <a:latin typeface="Arial"/>
-                <a:ea typeface="Arial"/>
-                <a:cs typeface="Arial"/>
-                <a:sym typeface="Arial"/>
-              </a:endParaRPr>
-            </a:p>
-          </p:txBody>
-        </p:sp>
-        <p:grpSp>
-          <p:nvGrpSpPr>
-            <p:cNvPr id="175" name="Google Shape;175;p1"/>
-            <p:cNvGrpSpPr/>
-            <p:nvPr/>
-          </p:nvGrpSpPr>
-          <p:grpSpPr>
-            <a:xfrm>
-              <a:off x="11376210" y="3804521"/>
-              <a:ext cx="258763" cy="400801"/>
-              <a:chOff x="8700798" y="3612399"/>
-              <a:chExt cx="258763" cy="400801"/>
-            </a:xfrm>
-          </p:grpSpPr>
-          <p:cxnSp>
-            <p:nvCxnSpPr>
-              <p:cNvPr id="176" name="Google Shape;176;p1"/>
-              <p:cNvCxnSpPr/>
-              <p:nvPr/>
-            </p:nvCxnSpPr>
-            <p:spPr>
-              <a:xfrm>
-                <a:off x="8700798" y="3612399"/>
-                <a:ext cx="0" cy="400801"/>
-              </a:xfrm>
-              <a:prstGeom prst="straightConnector1">
-                <a:avLst/>
-              </a:prstGeom>
-              <a:noFill/>
-              <a:ln cap="flat" cmpd="sng" w="28575">
-                <a:solidFill>
-                  <a:schemeClr val="dk1"/>
-                </a:solidFill>
-                <a:prstDash val="solid"/>
-                <a:round/>
-                <a:headEnd len="med" w="med" type="none"/>
-                <a:tailEnd len="med" w="med" type="none"/>
-              </a:ln>
-            </p:spPr>
-          </p:cxnSp>
-          <p:cxnSp>
-            <p:nvCxnSpPr>
-              <p:cNvPr id="177" name="Google Shape;177;p1"/>
-              <p:cNvCxnSpPr/>
-              <p:nvPr/>
-            </p:nvCxnSpPr>
-            <p:spPr>
-              <a:xfrm>
-                <a:off x="8959561" y="3612399"/>
-                <a:ext cx="0" cy="400801"/>
-              </a:xfrm>
-              <a:prstGeom prst="straightConnector1">
-                <a:avLst/>
-              </a:prstGeom>
-              <a:noFill/>
-              <a:ln cap="flat" cmpd="sng" w="28575">
-                <a:solidFill>
-                  <a:schemeClr val="dk1"/>
-                </a:solidFill>
-                <a:prstDash val="solid"/>
-                <a:round/>
-                <a:headEnd len="med" w="med" type="none"/>
-                <a:tailEnd len="med" w="med" type="none"/>
-              </a:ln>
-            </p:spPr>
-          </p:cxnSp>
-        </p:grpSp>
-      </p:grpSp>
-      <p:grpSp>
-        <p:nvGrpSpPr>
-          <p:cNvPr id="178" name="Google Shape;178;p1"/>
+          <p:cNvPr id="158" name="Google Shape;158;p1"/>
           <p:cNvGrpSpPr/>
           <p:nvPr/>
         </p:nvGrpSpPr>
@@ -17436,7 +16367,7 @@
         </p:grpSpPr>
         <p:grpSp>
           <p:nvGrpSpPr>
-            <p:cNvPr id="179" name="Google Shape;179;p1"/>
+            <p:cNvPr id="159" name="Google Shape;159;p1"/>
             <p:cNvGrpSpPr/>
             <p:nvPr/>
           </p:nvGrpSpPr>
@@ -17450,7 +16381,7 @@
           </p:grpSpPr>
           <p:grpSp>
             <p:nvGrpSpPr>
-              <p:cNvPr id="180" name="Google Shape;180;p1"/>
+              <p:cNvPr id="160" name="Google Shape;160;p1"/>
               <p:cNvGrpSpPr/>
               <p:nvPr/>
             </p:nvGrpSpPr>
@@ -17464,7 +16395,7 @@
             </p:grpSpPr>
             <p:cxnSp>
               <p:nvCxnSpPr>
-                <p:cNvPr id="181" name="Google Shape;181;p1"/>
+                <p:cNvPr id="161" name="Google Shape;161;p1"/>
                 <p:cNvCxnSpPr/>
                 <p:nvPr/>
               </p:nvCxnSpPr>
@@ -17490,7 +16421,7 @@
             </p:cxnSp>
             <p:cxnSp>
               <p:nvCxnSpPr>
-                <p:cNvPr id="182" name="Google Shape;182;p1"/>
+                <p:cNvPr id="162" name="Google Shape;162;p1"/>
                 <p:cNvCxnSpPr/>
                 <p:nvPr/>
               </p:nvCxnSpPr>
@@ -17516,7 +16447,7 @@
             </p:cxnSp>
             <p:sp>
               <p:nvSpPr>
-                <p:cNvPr id="183" name="Google Shape;183;p1"/>
+                <p:cNvPr id="163" name="Google Shape;163;p1"/>
                 <p:cNvSpPr/>
                 <p:nvPr/>
               </p:nvSpPr>
@@ -17617,7 +16548,7 @@
           </p:grpSp>
           <p:sp>
             <p:nvSpPr>
-              <p:cNvPr id="184" name="Google Shape;184;p1"/>
+              <p:cNvPr id="164" name="Google Shape;164;p1"/>
               <p:cNvSpPr/>
               <p:nvPr/>
             </p:nvSpPr>
@@ -17760,7 +16691,7 @@
           </p:sp>
           <p:sp>
             <p:nvSpPr>
-              <p:cNvPr id="185" name="Google Shape;185;p1"/>
+              <p:cNvPr id="165" name="Google Shape;165;p1"/>
               <p:cNvSpPr/>
               <p:nvPr/>
             </p:nvSpPr>
@@ -17818,7 +16749,7 @@
         </p:grpSp>
         <p:sp>
           <p:nvSpPr>
-            <p:cNvPr id="186" name="Google Shape;186;p1"/>
+            <p:cNvPr id="166" name="Google Shape;166;p1"/>
             <p:cNvSpPr/>
             <p:nvPr/>
           </p:nvSpPr>
@@ -17902,7 +16833,7 @@
       </p:grpSp>
       <p:grpSp>
         <p:nvGrpSpPr>
-          <p:cNvPr id="187" name="Google Shape;187;p1"/>
+          <p:cNvPr id="167" name="Google Shape;167;p1"/>
           <p:cNvGrpSpPr/>
           <p:nvPr/>
         </p:nvGrpSpPr>
@@ -17916,7 +16847,7 @@
         </p:grpSpPr>
         <p:grpSp>
           <p:nvGrpSpPr>
-            <p:cNvPr id="188" name="Google Shape;188;p1"/>
+            <p:cNvPr id="168" name="Google Shape;168;p1"/>
             <p:cNvGrpSpPr/>
             <p:nvPr/>
           </p:nvGrpSpPr>
@@ -17930,7 +16861,7 @@
           </p:grpSpPr>
           <p:grpSp>
             <p:nvGrpSpPr>
-              <p:cNvPr id="189" name="Google Shape;189;p1"/>
+              <p:cNvPr id="169" name="Google Shape;169;p1"/>
               <p:cNvGrpSpPr/>
               <p:nvPr/>
             </p:nvGrpSpPr>
@@ -17944,7 +16875,7 @@
             </p:grpSpPr>
             <p:cxnSp>
               <p:nvCxnSpPr>
-                <p:cNvPr id="190" name="Google Shape;190;p1"/>
+                <p:cNvPr id="170" name="Google Shape;170;p1"/>
                 <p:cNvCxnSpPr/>
                 <p:nvPr/>
               </p:nvCxnSpPr>
@@ -17970,7 +16901,7 @@
             </p:cxnSp>
             <p:cxnSp>
               <p:nvCxnSpPr>
-                <p:cNvPr id="191" name="Google Shape;191;p1"/>
+                <p:cNvPr id="171" name="Google Shape;171;p1"/>
                 <p:cNvCxnSpPr/>
                 <p:nvPr/>
               </p:nvCxnSpPr>
@@ -17996,7 +16927,7 @@
             </p:cxnSp>
             <p:sp>
               <p:nvSpPr>
-                <p:cNvPr id="192" name="Google Shape;192;p1"/>
+                <p:cNvPr id="172" name="Google Shape;172;p1"/>
                 <p:cNvSpPr/>
                 <p:nvPr/>
               </p:nvSpPr>
@@ -18097,7 +17028,7 @@
           </p:grpSp>
           <p:sp>
             <p:nvSpPr>
-              <p:cNvPr id="193" name="Google Shape;193;p1"/>
+              <p:cNvPr id="173" name="Google Shape;173;p1"/>
               <p:cNvSpPr/>
               <p:nvPr/>
             </p:nvSpPr>
@@ -18240,7 +17171,7 @@
           </p:sp>
           <p:sp>
             <p:nvSpPr>
-              <p:cNvPr id="194" name="Google Shape;194;p1"/>
+              <p:cNvPr id="174" name="Google Shape;174;p1"/>
               <p:cNvSpPr/>
               <p:nvPr/>
             </p:nvSpPr>
@@ -18298,7 +17229,7 @@
         </p:grpSp>
         <p:sp>
           <p:nvSpPr>
-            <p:cNvPr id="195" name="Google Shape;195;p1"/>
+            <p:cNvPr id="175" name="Google Shape;175;p1"/>
             <p:cNvSpPr/>
             <p:nvPr/>
           </p:nvSpPr>
@@ -18382,7 +17313,7 @@
       </p:grpSp>
       <p:grpSp>
         <p:nvGrpSpPr>
-          <p:cNvPr id="196" name="Google Shape;196;p1"/>
+          <p:cNvPr id="176" name="Google Shape;176;p1"/>
           <p:cNvGrpSpPr/>
           <p:nvPr/>
         </p:nvGrpSpPr>
@@ -18396,7 +17327,7 @@
         </p:grpSpPr>
         <p:cxnSp>
           <p:nvCxnSpPr>
-            <p:cNvPr id="197" name="Google Shape;197;p1"/>
+            <p:cNvPr id="177" name="Google Shape;177;p1"/>
             <p:cNvCxnSpPr/>
             <p:nvPr/>
           </p:nvCxnSpPr>
@@ -18422,7 +17353,7 @@
         </p:cxnSp>
         <p:cxnSp>
           <p:nvCxnSpPr>
-            <p:cNvPr id="198" name="Google Shape;198;p1"/>
+            <p:cNvPr id="178" name="Google Shape;178;p1"/>
             <p:cNvCxnSpPr/>
             <p:nvPr/>
           </p:nvCxnSpPr>
@@ -18448,7 +17379,7 @@
         </p:cxnSp>
         <p:grpSp>
           <p:nvGrpSpPr>
-            <p:cNvPr id="199" name="Google Shape;199;p1"/>
+            <p:cNvPr id="179" name="Google Shape;179;p1"/>
             <p:cNvGrpSpPr/>
             <p:nvPr/>
           </p:nvGrpSpPr>
@@ -18462,7 +17393,7 @@
           </p:grpSpPr>
           <p:sp>
             <p:nvSpPr>
-              <p:cNvPr id="200" name="Google Shape;200;p1"/>
+              <p:cNvPr id="180" name="Google Shape;180;p1"/>
               <p:cNvSpPr/>
               <p:nvPr/>
             </p:nvSpPr>
@@ -18562,7 +17493,7 @@
           </p:sp>
           <p:sp>
             <p:nvSpPr>
-              <p:cNvPr id="201" name="Google Shape;201;p1"/>
+              <p:cNvPr id="181" name="Google Shape;181;p1"/>
               <p:cNvSpPr/>
               <p:nvPr/>
             </p:nvSpPr>
@@ -18647,7 +17578,7 @@
       </p:grpSp>
       <p:grpSp>
         <p:nvGrpSpPr>
-          <p:cNvPr id="202" name="Google Shape;202;p1"/>
+          <p:cNvPr id="182" name="Google Shape;182;p1"/>
           <p:cNvGrpSpPr/>
           <p:nvPr/>
         </p:nvGrpSpPr>
@@ -18661,7 +17592,7 @@
         </p:grpSpPr>
         <p:sp>
           <p:nvSpPr>
-            <p:cNvPr id="203" name="Google Shape;203;p1"/>
+            <p:cNvPr id="183" name="Google Shape;183;p1"/>
             <p:cNvSpPr/>
             <p:nvPr/>
           </p:nvSpPr>
@@ -18722,7 +17653,7 @@
         </p:sp>
         <p:sp>
           <p:nvSpPr>
-            <p:cNvPr id="204" name="Google Shape;204;p1"/>
+            <p:cNvPr id="184" name="Google Shape;184;p1"/>
             <p:cNvSpPr/>
             <p:nvPr/>
           </p:nvSpPr>
@@ -18784,7 +17715,7 @@
       </p:grpSp>
       <p:grpSp>
         <p:nvGrpSpPr>
-          <p:cNvPr id="205" name="Google Shape;205;p1"/>
+          <p:cNvPr id="185" name="Google Shape;185;p1"/>
           <p:cNvGrpSpPr/>
           <p:nvPr/>
         </p:nvGrpSpPr>
@@ -18798,7 +17729,7 @@
         </p:grpSpPr>
         <p:sp>
           <p:nvSpPr>
-            <p:cNvPr id="206" name="Google Shape;206;p1"/>
+            <p:cNvPr id="186" name="Google Shape;186;p1"/>
             <p:cNvSpPr/>
             <p:nvPr/>
           </p:nvSpPr>
@@ -18855,7 +17786,7 @@
         </p:sp>
         <p:sp>
           <p:nvSpPr>
-            <p:cNvPr id="207" name="Google Shape;207;p1"/>
+            <p:cNvPr id="187" name="Google Shape;187;p1"/>
             <p:cNvSpPr/>
             <p:nvPr/>
           </p:nvSpPr>
@@ -18912,7 +17843,7 @@
         </p:sp>
         <p:sp>
           <p:nvSpPr>
-            <p:cNvPr id="208" name="Google Shape;208;p1"/>
+            <p:cNvPr id="188" name="Google Shape;188;p1"/>
             <p:cNvSpPr/>
             <p:nvPr/>
           </p:nvSpPr>
@@ -18988,7 +17919,7 @@
         </p:sp>
         <p:sp>
           <p:nvSpPr>
-            <p:cNvPr id="209" name="Google Shape;209;p1"/>
+            <p:cNvPr id="189" name="Google Shape;189;p1"/>
             <p:cNvSpPr/>
             <p:nvPr/>
           </p:nvSpPr>
@@ -19045,7 +17976,7 @@
         </p:sp>
         <p:sp>
           <p:nvSpPr>
-            <p:cNvPr id="210" name="Google Shape;210;p1"/>
+            <p:cNvPr id="190" name="Google Shape;190;p1"/>
             <p:cNvSpPr/>
             <p:nvPr/>
           </p:nvSpPr>
@@ -19096,7 +18027,7 @@
         </p:sp>
         <p:sp>
           <p:nvSpPr>
-            <p:cNvPr id="211" name="Google Shape;211;p1"/>
+            <p:cNvPr id="191" name="Google Shape;191;p1"/>
             <p:cNvSpPr/>
             <p:nvPr/>
           </p:nvSpPr>
@@ -19153,7 +18084,7 @@
         </p:sp>
         <p:sp>
           <p:nvSpPr>
-            <p:cNvPr id="212" name="Google Shape;212;p1"/>
+            <p:cNvPr id="192" name="Google Shape;192;p1"/>
             <p:cNvSpPr/>
             <p:nvPr/>
           </p:nvSpPr>
@@ -19211,7 +18142,7 @@
       </p:grpSp>
       <p:grpSp>
         <p:nvGrpSpPr>
-          <p:cNvPr id="213" name="Google Shape;213;p1"/>
+          <p:cNvPr id="193" name="Google Shape;193;p1"/>
           <p:cNvGrpSpPr/>
           <p:nvPr/>
         </p:nvGrpSpPr>
@@ -19225,7 +18156,7 @@
         </p:grpSpPr>
         <p:sp>
           <p:nvSpPr>
-            <p:cNvPr id="214" name="Google Shape;214;p1"/>
+            <p:cNvPr id="194" name="Google Shape;194;p1"/>
             <p:cNvSpPr/>
             <p:nvPr/>
           </p:nvSpPr>
@@ -19282,7 +18213,7 @@
         </p:sp>
         <p:sp>
           <p:nvSpPr>
-            <p:cNvPr id="215" name="Google Shape;215;p1"/>
+            <p:cNvPr id="195" name="Google Shape;195;p1"/>
             <p:cNvSpPr/>
             <p:nvPr/>
           </p:nvSpPr>
@@ -19339,7 +18270,7 @@
         </p:sp>
         <p:sp>
           <p:nvSpPr>
-            <p:cNvPr id="216" name="Google Shape;216;p1"/>
+            <p:cNvPr id="196" name="Google Shape;196;p1"/>
             <p:cNvSpPr/>
             <p:nvPr/>
           </p:nvSpPr>
@@ -19415,7 +18346,7 @@
         </p:sp>
         <p:sp>
           <p:nvSpPr>
-            <p:cNvPr id="217" name="Google Shape;217;p1"/>
+            <p:cNvPr id="197" name="Google Shape;197;p1"/>
             <p:cNvSpPr/>
             <p:nvPr/>
           </p:nvSpPr>
@@ -19472,7 +18403,7 @@
         </p:sp>
         <p:sp>
           <p:nvSpPr>
-            <p:cNvPr id="218" name="Google Shape;218;p1"/>
+            <p:cNvPr id="198" name="Google Shape;198;p1"/>
             <p:cNvSpPr/>
             <p:nvPr/>
           </p:nvSpPr>
@@ -19523,7 +18454,7 @@
         </p:sp>
         <p:sp>
           <p:nvSpPr>
-            <p:cNvPr id="219" name="Google Shape;219;p1"/>
+            <p:cNvPr id="199" name="Google Shape;199;p1"/>
             <p:cNvSpPr/>
             <p:nvPr/>
           </p:nvSpPr>
@@ -19580,7 +18511,7 @@
         </p:sp>
         <p:sp>
           <p:nvSpPr>
-            <p:cNvPr id="220" name="Google Shape;220;p1"/>
+            <p:cNvPr id="200" name="Google Shape;200;p1"/>
             <p:cNvSpPr/>
             <p:nvPr/>
           </p:nvSpPr>
@@ -19638,7 +18569,7 @@
       </p:grpSp>
       <p:grpSp>
         <p:nvGrpSpPr>
-          <p:cNvPr id="221" name="Google Shape;221;p1"/>
+          <p:cNvPr id="201" name="Google Shape;201;p1"/>
           <p:cNvGrpSpPr/>
           <p:nvPr/>
         </p:nvGrpSpPr>
@@ -19652,7 +18583,7 @@
         </p:grpSpPr>
         <p:grpSp>
           <p:nvGrpSpPr>
-            <p:cNvPr id="222" name="Google Shape;222;p1"/>
+            <p:cNvPr id="202" name="Google Shape;202;p1"/>
             <p:cNvGrpSpPr/>
             <p:nvPr/>
           </p:nvGrpSpPr>
@@ -19666,7 +18597,7 @@
           </p:grpSpPr>
           <p:cxnSp>
             <p:nvCxnSpPr>
-              <p:cNvPr id="223" name="Google Shape;223;p1"/>
+              <p:cNvPr id="203" name="Google Shape;203;p1"/>
               <p:cNvCxnSpPr/>
               <p:nvPr/>
             </p:nvCxnSpPr>
@@ -19692,7 +18623,7 @@
           </p:cxnSp>
           <p:cxnSp>
             <p:nvCxnSpPr>
-              <p:cNvPr id="224" name="Google Shape;224;p1"/>
+              <p:cNvPr id="204" name="Google Shape;204;p1"/>
               <p:cNvCxnSpPr/>
               <p:nvPr/>
             </p:nvCxnSpPr>
@@ -19718,7 +18649,7 @@
           </p:cxnSp>
           <p:sp>
             <p:nvSpPr>
-              <p:cNvPr id="225" name="Google Shape;225;p1"/>
+              <p:cNvPr id="205" name="Google Shape;205;p1"/>
               <p:cNvSpPr/>
               <p:nvPr/>
             </p:nvSpPr>
@@ -19819,7 +18750,7 @@
         </p:grpSp>
         <p:sp>
           <p:nvSpPr>
-            <p:cNvPr id="226" name="Google Shape;226;p1"/>
+            <p:cNvPr id="206" name="Google Shape;206;p1"/>
             <p:cNvSpPr/>
             <p:nvPr/>
           </p:nvSpPr>
@@ -19920,7 +18851,7 @@
       </p:grpSp>
       <p:sp>
         <p:nvSpPr>
-          <p:cNvPr id="227" name="Google Shape;227;p1"/>
+          <p:cNvPr id="207" name="Google Shape;207;p1"/>
           <p:cNvSpPr/>
           <p:nvPr/>
         </p:nvSpPr>
@@ -19997,77 +18928,852 @@
           </a:p>
         </p:txBody>
       </p:sp>
-      <p:sp>
-        <p:nvSpPr>
-          <p:cNvPr id="228" name="Google Shape;228;p1"/>
-          <p:cNvSpPr/>
+      <p:grpSp>
+        <p:nvGrpSpPr>
+          <p:cNvPr id="208" name="Google Shape;208;p1"/>
+          <p:cNvGrpSpPr/>
           <p:nvPr/>
-        </p:nvSpPr>
-        <p:spPr>
+        </p:nvGrpSpPr>
+        <p:grpSpPr>
           <a:xfrm>
-            <a:off x="3257738" y="6335272"/>
-            <a:ext cx="361687" cy="670878"/>
+            <a:off x="1757996" y="2788399"/>
+            <a:ext cx="272602" cy="775461"/>
+            <a:chOff x="8775916" y="4670425"/>
+            <a:chExt cx="307539" cy="966789"/>
           </a:xfrm>
-          <a:prstGeom prst="can">
-            <a:avLst>
-              <a:gd fmla="val 41314" name="adj"/>
-            </a:avLst>
-          </a:prstGeom>
-          <a:solidFill>
-            <a:srgbClr val="73D9F1">
-              <a:alpha val="49803"/>
-            </a:srgbClr>
-          </a:solidFill>
-          <a:ln cap="flat" cmpd="sng" w="9525">
+        </p:grpSpPr>
+        <p:grpSp>
+          <p:nvGrpSpPr>
+            <p:cNvPr id="209" name="Google Shape;209;p1"/>
+            <p:cNvGrpSpPr/>
+            <p:nvPr/>
+          </p:nvGrpSpPr>
+          <p:grpSpPr>
+            <a:xfrm>
+              <a:off x="8775918" y="4670425"/>
+              <a:ext cx="307537" cy="966789"/>
+              <a:chOff x="528" y="176"/>
+              <a:chExt cx="181" cy="609"/>
+            </a:xfrm>
+          </p:grpSpPr>
+          <p:cxnSp>
+            <p:nvCxnSpPr>
+              <p:cNvPr id="210" name="Google Shape;210;p1"/>
+              <p:cNvCxnSpPr/>
+              <p:nvPr/>
+            </p:nvCxnSpPr>
+            <p:spPr>
+              <a:xfrm>
+                <a:off x="535" y="485"/>
+                <a:ext cx="0" cy="300"/>
+              </a:xfrm>
+              <a:prstGeom prst="straightConnector1">
+                <a:avLst/>
+              </a:prstGeom>
+              <a:noFill/>
+              <a:ln cap="flat" cmpd="sng" w="28575">
+                <a:solidFill>
+                  <a:schemeClr val="dk1"/>
+                </a:solidFill>
+                <a:prstDash val="solid"/>
+                <a:round/>
+                <a:headEnd len="med" w="med" type="none"/>
+                <a:tailEnd len="med" w="med" type="none"/>
+              </a:ln>
+            </p:spPr>
+          </p:cxnSp>
+          <p:cxnSp>
+            <p:nvCxnSpPr>
+              <p:cNvPr id="211" name="Google Shape;211;p1"/>
+              <p:cNvCxnSpPr/>
+              <p:nvPr/>
+            </p:nvCxnSpPr>
+            <p:spPr>
+              <a:xfrm>
+                <a:off x="701" y="485"/>
+                <a:ext cx="0" cy="300"/>
+              </a:xfrm>
+              <a:prstGeom prst="straightConnector1">
+                <a:avLst/>
+              </a:prstGeom>
+              <a:noFill/>
+              <a:ln cap="flat" cmpd="sng" w="28575">
+                <a:solidFill>
+                  <a:schemeClr val="dk1"/>
+                </a:solidFill>
+                <a:prstDash val="solid"/>
+                <a:round/>
+                <a:headEnd len="med" w="med" type="none"/>
+                <a:tailEnd len="med" w="med" type="none"/>
+              </a:ln>
+            </p:spPr>
+          </p:cxnSp>
+          <p:sp>
+            <p:nvSpPr>
+              <p:cNvPr id="212" name="Google Shape;212;p1"/>
+              <p:cNvSpPr/>
+              <p:nvPr/>
+            </p:nvSpPr>
+            <p:spPr>
+              <a:xfrm>
+                <a:off x="528" y="176"/>
+                <a:ext cx="181" cy="332"/>
+              </a:xfrm>
+              <a:custGeom>
+                <a:rect b="b" l="l" r="r" t="t"/>
+                <a:pathLst>
+                  <a:path extrusionOk="0" h="517" w="277">
+                    <a:moveTo>
+                      <a:pt x="89" y="0"/>
+                    </a:moveTo>
+                    <a:lnTo>
+                      <a:pt x="191" y="0"/>
+                    </a:lnTo>
+                    <a:lnTo>
+                      <a:pt x="191" y="105"/>
+                    </a:lnTo>
+                    <a:lnTo>
+                      <a:pt x="225" y="105"/>
+                    </a:lnTo>
+                    <a:lnTo>
+                      <a:pt x="276" y="139"/>
+                    </a:lnTo>
+                    <a:lnTo>
+                      <a:pt x="276" y="415"/>
+                    </a:lnTo>
+                    <a:lnTo>
+                      <a:pt x="225" y="516"/>
+                    </a:lnTo>
+                    <a:lnTo>
+                      <a:pt x="51" y="516"/>
+                    </a:lnTo>
+                    <a:lnTo>
+                      <a:pt x="0" y="415"/>
+                    </a:lnTo>
+                    <a:lnTo>
+                      <a:pt x="0" y="139"/>
+                    </a:lnTo>
+                    <a:lnTo>
+                      <a:pt x="51" y="105"/>
+                    </a:lnTo>
+                    <a:lnTo>
+                      <a:pt x="89" y="105"/>
+                    </a:lnTo>
+                    <a:lnTo>
+                      <a:pt x="89" y="0"/>
+                    </a:lnTo>
+                  </a:path>
+                </a:pathLst>
+              </a:custGeom>
+              <a:solidFill>
+                <a:srgbClr val="FFCC99"/>
+              </a:solidFill>
+              <a:ln cap="rnd" cmpd="sng" w="12700">
+                <a:solidFill>
+                  <a:schemeClr val="dk1"/>
+                </a:solidFill>
+                <a:prstDash val="solid"/>
+                <a:round/>
+                <a:headEnd len="med" w="med" type="none"/>
+                <a:tailEnd len="med" w="med" type="none"/>
+              </a:ln>
+            </p:spPr>
+            <p:txBody>
+              <a:bodyPr anchorCtr="0" anchor="t" bIns="45700" lIns="91425" spcFirstLastPara="1" rIns="91425" wrap="square" tIns="45700">
+                <a:noAutofit/>
+              </a:bodyPr>
+              <a:lstStyle/>
+              <a:p>
+                <a:pPr indent="0" lvl="0" marL="0" marR="0" rtl="0" algn="l">
+                  <a:spcBef>
+                    <a:spcPts val="0"/>
+                  </a:spcBef>
+                  <a:spcAft>
+                    <a:spcPts val="0"/>
+                  </a:spcAft>
+                  <a:buNone/>
+                </a:pPr>
+                <a:r>
+                  <a:t/>
+                </a:r>
+                <a:endParaRPr sz="1800">
+                  <a:solidFill>
+                    <a:schemeClr val="dk1"/>
+                  </a:solidFill>
+                  <a:latin typeface="Arial"/>
+                  <a:ea typeface="Arial"/>
+                  <a:cs typeface="Arial"/>
+                  <a:sym typeface="Arial"/>
+                </a:endParaRPr>
+              </a:p>
+            </p:txBody>
+          </p:sp>
+        </p:grpSp>
+        <p:sp>
+          <p:nvSpPr>
+            <p:cNvPr id="213" name="Google Shape;213;p1"/>
+            <p:cNvSpPr/>
+            <p:nvPr/>
+          </p:nvSpPr>
+          <p:spPr>
+            <a:xfrm rot="10800000">
+              <a:off x="8775916" y="4988146"/>
+              <a:ext cx="303430" cy="523433"/>
+            </a:xfrm>
+            <a:custGeom>
+              <a:rect b="b" l="l" r="r" t="t"/>
+              <a:pathLst>
+                <a:path extrusionOk="0" h="517" w="277">
+                  <a:moveTo>
+                    <a:pt x="89" y="0"/>
+                  </a:moveTo>
+                  <a:lnTo>
+                    <a:pt x="191" y="0"/>
+                  </a:lnTo>
+                  <a:lnTo>
+                    <a:pt x="191" y="105"/>
+                  </a:lnTo>
+                  <a:lnTo>
+                    <a:pt x="225" y="105"/>
+                  </a:lnTo>
+                  <a:lnTo>
+                    <a:pt x="276" y="139"/>
+                  </a:lnTo>
+                  <a:lnTo>
+                    <a:pt x="276" y="415"/>
+                  </a:lnTo>
+                  <a:lnTo>
+                    <a:pt x="225" y="516"/>
+                  </a:lnTo>
+                  <a:lnTo>
+                    <a:pt x="51" y="516"/>
+                  </a:lnTo>
+                  <a:lnTo>
+                    <a:pt x="0" y="415"/>
+                  </a:lnTo>
+                  <a:lnTo>
+                    <a:pt x="0" y="139"/>
+                  </a:lnTo>
+                  <a:lnTo>
+                    <a:pt x="51" y="105"/>
+                  </a:lnTo>
+                  <a:lnTo>
+                    <a:pt x="89" y="105"/>
+                  </a:lnTo>
+                  <a:lnTo>
+                    <a:pt x="89" y="0"/>
+                  </a:lnTo>
+                </a:path>
+              </a:pathLst>
+            </a:custGeom>
+            <a:solidFill>
+              <a:schemeClr val="lt1"/>
+            </a:solidFill>
+            <a:ln cap="rnd" cmpd="sng" w="12700">
+              <a:solidFill>
+                <a:schemeClr val="dk1"/>
+              </a:solidFill>
+              <a:prstDash val="solid"/>
+              <a:round/>
+              <a:headEnd len="med" w="med" type="none"/>
+              <a:tailEnd len="med" w="med" type="none"/>
+            </a:ln>
+          </p:spPr>
+          <p:txBody>
+            <a:bodyPr anchorCtr="0" anchor="t" bIns="45700" lIns="91425" spcFirstLastPara="1" rIns="91425" wrap="square" tIns="45700">
+              <a:noAutofit/>
+            </a:bodyPr>
+            <a:lstStyle/>
+            <a:p>
+              <a:pPr indent="0" lvl="0" marL="0" marR="0" rtl="0" algn="l">
+                <a:spcBef>
+                  <a:spcPts val="0"/>
+                </a:spcBef>
+                <a:spcAft>
+                  <a:spcPts val="0"/>
+                </a:spcAft>
+                <a:buNone/>
+              </a:pPr>
+              <a:r>
+                <a:t/>
+              </a:r>
+              <a:endParaRPr sz="1800">
+                <a:solidFill>
+                  <a:schemeClr val="dk1"/>
+                </a:solidFill>
+                <a:latin typeface="Arial"/>
+                <a:ea typeface="Arial"/>
+                <a:cs typeface="Arial"/>
+                <a:sym typeface="Arial"/>
+              </a:endParaRPr>
+            </a:p>
+          </p:txBody>
+        </p:sp>
+      </p:grpSp>
+      <p:grpSp>
+        <p:nvGrpSpPr>
+          <p:cNvPr id="214" name="Google Shape;214;p1"/>
+          <p:cNvGrpSpPr/>
+          <p:nvPr/>
+        </p:nvGrpSpPr>
+        <p:grpSpPr>
+          <a:xfrm>
+            <a:off x="1168923" y="2788399"/>
+            <a:ext cx="272601" cy="775461"/>
+            <a:chOff x="8775918" y="4670425"/>
+            <a:chExt cx="307537" cy="966789"/>
+          </a:xfrm>
+        </p:grpSpPr>
+        <p:grpSp>
+          <p:nvGrpSpPr>
+            <p:cNvPr id="215" name="Google Shape;215;p1"/>
+            <p:cNvGrpSpPr/>
+            <p:nvPr/>
+          </p:nvGrpSpPr>
+          <p:grpSpPr>
+            <a:xfrm>
+              <a:off x="8775918" y="4670425"/>
+              <a:ext cx="307537" cy="966789"/>
+              <a:chOff x="528" y="176"/>
+              <a:chExt cx="181" cy="609"/>
+            </a:xfrm>
+          </p:grpSpPr>
+          <p:cxnSp>
+            <p:nvCxnSpPr>
+              <p:cNvPr id="216" name="Google Shape;216;p1"/>
+              <p:cNvCxnSpPr/>
+              <p:nvPr/>
+            </p:nvCxnSpPr>
+            <p:spPr>
+              <a:xfrm>
+                <a:off x="535" y="485"/>
+                <a:ext cx="0" cy="300"/>
+              </a:xfrm>
+              <a:prstGeom prst="straightConnector1">
+                <a:avLst/>
+              </a:prstGeom>
+              <a:noFill/>
+              <a:ln cap="flat" cmpd="sng" w="28575">
+                <a:solidFill>
+                  <a:schemeClr val="dk1"/>
+                </a:solidFill>
+                <a:prstDash val="solid"/>
+                <a:round/>
+                <a:headEnd len="med" w="med" type="none"/>
+                <a:tailEnd len="med" w="med" type="none"/>
+              </a:ln>
+            </p:spPr>
+          </p:cxnSp>
+          <p:cxnSp>
+            <p:nvCxnSpPr>
+              <p:cNvPr id="217" name="Google Shape;217;p1"/>
+              <p:cNvCxnSpPr/>
+              <p:nvPr/>
+            </p:nvCxnSpPr>
+            <p:spPr>
+              <a:xfrm>
+                <a:off x="701" y="485"/>
+                <a:ext cx="0" cy="300"/>
+              </a:xfrm>
+              <a:prstGeom prst="straightConnector1">
+                <a:avLst/>
+              </a:prstGeom>
+              <a:noFill/>
+              <a:ln cap="flat" cmpd="sng" w="28575">
+                <a:solidFill>
+                  <a:schemeClr val="dk1"/>
+                </a:solidFill>
+                <a:prstDash val="solid"/>
+                <a:round/>
+                <a:headEnd len="med" w="med" type="none"/>
+                <a:tailEnd len="med" w="med" type="none"/>
+              </a:ln>
+            </p:spPr>
+          </p:cxnSp>
+          <p:sp>
+            <p:nvSpPr>
+              <p:cNvPr id="218" name="Google Shape;218;p1"/>
+              <p:cNvSpPr/>
+              <p:nvPr/>
+            </p:nvSpPr>
+            <p:spPr>
+              <a:xfrm>
+                <a:off x="528" y="176"/>
+                <a:ext cx="181" cy="332"/>
+              </a:xfrm>
+              <a:custGeom>
+                <a:rect b="b" l="l" r="r" t="t"/>
+                <a:pathLst>
+                  <a:path extrusionOk="0" h="517" w="277">
+                    <a:moveTo>
+                      <a:pt x="89" y="0"/>
+                    </a:moveTo>
+                    <a:lnTo>
+                      <a:pt x="191" y="0"/>
+                    </a:lnTo>
+                    <a:lnTo>
+                      <a:pt x="191" y="105"/>
+                    </a:lnTo>
+                    <a:lnTo>
+                      <a:pt x="225" y="105"/>
+                    </a:lnTo>
+                    <a:lnTo>
+                      <a:pt x="276" y="139"/>
+                    </a:lnTo>
+                    <a:lnTo>
+                      <a:pt x="276" y="415"/>
+                    </a:lnTo>
+                    <a:lnTo>
+                      <a:pt x="225" y="516"/>
+                    </a:lnTo>
+                    <a:lnTo>
+                      <a:pt x="51" y="516"/>
+                    </a:lnTo>
+                    <a:lnTo>
+                      <a:pt x="0" y="415"/>
+                    </a:lnTo>
+                    <a:lnTo>
+                      <a:pt x="0" y="139"/>
+                    </a:lnTo>
+                    <a:lnTo>
+                      <a:pt x="51" y="105"/>
+                    </a:lnTo>
+                    <a:lnTo>
+                      <a:pt x="89" y="105"/>
+                    </a:lnTo>
+                    <a:lnTo>
+                      <a:pt x="89" y="0"/>
+                    </a:lnTo>
+                  </a:path>
+                </a:pathLst>
+              </a:custGeom>
+              <a:solidFill>
+                <a:srgbClr val="FFCC99"/>
+              </a:solidFill>
+              <a:ln cap="rnd" cmpd="sng" w="12700">
+                <a:solidFill>
+                  <a:schemeClr val="dk1"/>
+                </a:solidFill>
+                <a:prstDash val="solid"/>
+                <a:round/>
+                <a:headEnd len="med" w="med" type="none"/>
+                <a:tailEnd len="med" w="med" type="none"/>
+              </a:ln>
+            </p:spPr>
+            <p:txBody>
+              <a:bodyPr anchorCtr="0" anchor="t" bIns="45700" lIns="91425" spcFirstLastPara="1" rIns="91425" wrap="square" tIns="45700">
+                <a:noAutofit/>
+              </a:bodyPr>
+              <a:lstStyle/>
+              <a:p>
+                <a:pPr indent="0" lvl="0" marL="0" marR="0" rtl="0" algn="l">
+                  <a:spcBef>
+                    <a:spcPts val="0"/>
+                  </a:spcBef>
+                  <a:spcAft>
+                    <a:spcPts val="0"/>
+                  </a:spcAft>
+                  <a:buNone/>
+                </a:pPr>
+                <a:r>
+                  <a:t/>
+                </a:r>
+                <a:endParaRPr sz="1800">
+                  <a:solidFill>
+                    <a:schemeClr val="dk1"/>
+                  </a:solidFill>
+                  <a:latin typeface="Arial"/>
+                  <a:ea typeface="Arial"/>
+                  <a:cs typeface="Arial"/>
+                  <a:sym typeface="Arial"/>
+                </a:endParaRPr>
+              </a:p>
+            </p:txBody>
+          </p:sp>
+        </p:grpSp>
+        <p:sp>
+          <p:nvSpPr>
+            <p:cNvPr id="219" name="Google Shape;219;p1"/>
+            <p:cNvSpPr/>
+            <p:nvPr/>
+          </p:nvSpPr>
+          <p:spPr>
+            <a:xfrm rot="10800000">
+              <a:off x="8777975" y="4923784"/>
+              <a:ext cx="303430" cy="523433"/>
+            </a:xfrm>
+            <a:custGeom>
+              <a:rect b="b" l="l" r="r" t="t"/>
+              <a:pathLst>
+                <a:path extrusionOk="0" h="517" w="277">
+                  <a:moveTo>
+                    <a:pt x="89" y="0"/>
+                  </a:moveTo>
+                  <a:lnTo>
+                    <a:pt x="191" y="0"/>
+                  </a:lnTo>
+                  <a:lnTo>
+                    <a:pt x="191" y="105"/>
+                  </a:lnTo>
+                  <a:lnTo>
+                    <a:pt x="225" y="105"/>
+                  </a:lnTo>
+                  <a:lnTo>
+                    <a:pt x="276" y="139"/>
+                  </a:lnTo>
+                  <a:lnTo>
+                    <a:pt x="276" y="415"/>
+                  </a:lnTo>
+                  <a:lnTo>
+                    <a:pt x="225" y="516"/>
+                  </a:lnTo>
+                  <a:lnTo>
+                    <a:pt x="51" y="516"/>
+                  </a:lnTo>
+                  <a:lnTo>
+                    <a:pt x="0" y="415"/>
+                  </a:lnTo>
+                  <a:lnTo>
+                    <a:pt x="0" y="139"/>
+                  </a:lnTo>
+                  <a:lnTo>
+                    <a:pt x="51" y="105"/>
+                  </a:lnTo>
+                  <a:lnTo>
+                    <a:pt x="89" y="105"/>
+                  </a:lnTo>
+                  <a:lnTo>
+                    <a:pt x="89" y="0"/>
+                  </a:lnTo>
+                </a:path>
+              </a:pathLst>
+            </a:custGeom>
+            <a:solidFill>
+              <a:schemeClr val="lt1"/>
+            </a:solidFill>
+            <a:ln cap="rnd" cmpd="sng" w="12700">
+              <a:solidFill>
+                <a:schemeClr val="dk1"/>
+              </a:solidFill>
+              <a:prstDash val="solid"/>
+              <a:round/>
+              <a:headEnd len="med" w="med" type="none"/>
+              <a:tailEnd len="med" w="med" type="none"/>
+            </a:ln>
+          </p:spPr>
+          <p:txBody>
+            <a:bodyPr anchorCtr="0" anchor="t" bIns="45700" lIns="91425" spcFirstLastPara="1" rIns="91425" wrap="square" tIns="45700">
+              <a:noAutofit/>
+            </a:bodyPr>
+            <a:lstStyle/>
+            <a:p>
+              <a:pPr indent="0" lvl="0" marL="0" marR="0" rtl="0" algn="l">
+                <a:spcBef>
+                  <a:spcPts val="0"/>
+                </a:spcBef>
+                <a:spcAft>
+                  <a:spcPts val="0"/>
+                </a:spcAft>
+                <a:buNone/>
+              </a:pPr>
+              <a:r>
+                <a:t/>
+              </a:r>
+              <a:endParaRPr sz="1800">
+                <a:solidFill>
+                  <a:schemeClr val="dk1"/>
+                </a:solidFill>
+                <a:latin typeface="Arial"/>
+                <a:ea typeface="Arial"/>
+                <a:cs typeface="Arial"/>
+                <a:sym typeface="Arial"/>
+              </a:endParaRPr>
+            </a:p>
+          </p:txBody>
+        </p:sp>
+      </p:grpSp>
+      <p:grpSp>
+        <p:nvGrpSpPr>
+          <p:cNvPr id="220" name="Google Shape;220;p1"/>
+          <p:cNvGrpSpPr/>
+          <p:nvPr/>
+        </p:nvGrpSpPr>
+        <p:grpSpPr>
+          <a:xfrm>
+            <a:off x="1106841" y="3125849"/>
+            <a:ext cx="985844" cy="269135"/>
+            <a:chOff x="5255538" y="3733800"/>
+            <a:chExt cx="1290372" cy="375520"/>
+          </a:xfrm>
+        </p:grpSpPr>
+        <p:sp>
+          <p:nvSpPr>
+            <p:cNvPr id="221" name="Google Shape;221;p1"/>
+            <p:cNvSpPr/>
+            <p:nvPr/>
+          </p:nvSpPr>
+          <p:spPr>
+            <a:xfrm>
+              <a:off x="5280618" y="4016620"/>
+              <a:ext cx="1241400" cy="92700"/>
+            </a:xfrm>
+            <a:prstGeom prst="rect">
+              <a:avLst/>
+            </a:prstGeom>
             <a:solidFill>
               <a:schemeClr val="dk1"/>
             </a:solidFill>
-            <a:prstDash val="solid"/>
-            <a:round/>
-            <a:headEnd len="sm" w="sm" type="none"/>
-            <a:tailEnd len="sm" w="sm" type="none"/>
-          </a:ln>
-        </p:spPr>
-        <p:txBody>
-          <a:bodyPr anchorCtr="0" anchor="ctr" bIns="45700" lIns="91425" spcFirstLastPara="1" rIns="91425" wrap="square" tIns="45700">
-            <a:noAutofit/>
-          </a:bodyPr>
-          <a:lstStyle/>
-          <a:p>
-            <a:pPr indent="0" lvl="0" marL="0" marR="0" rtl="0" algn="l">
-              <a:spcBef>
-                <a:spcPts val="0"/>
-              </a:spcBef>
-              <a:spcAft>
-                <a:spcPts val="0"/>
-              </a:spcAft>
-              <a:buNone/>
-            </a:pPr>
-            <a:r>
-              <a:t/>
-            </a:r>
-            <a:endParaRPr b="0" sz="1800" u="none">
+            <a:ln cap="flat" cmpd="sng" w="9525">
               <a:solidFill>
                 <a:schemeClr val="dk1"/>
               </a:solidFill>
-              <a:latin typeface="Arial"/>
-              <a:ea typeface="Arial"/>
-              <a:cs typeface="Arial"/>
-              <a:sym typeface="Arial"/>
-            </a:endParaRPr>
-          </a:p>
-        </p:txBody>
-      </p:sp>
-      <p:sp>
-        <p:nvSpPr>
-          <p:cNvPr id="229" name="Google Shape;229;p1"/>
-          <p:cNvSpPr txBox="1"/>
+              <a:prstDash val="solid"/>
+              <a:round/>
+              <a:headEnd len="sm" w="sm" type="none"/>
+              <a:tailEnd len="sm" w="sm" type="none"/>
+            </a:ln>
+          </p:spPr>
+          <p:txBody>
+            <a:bodyPr anchorCtr="0" anchor="ctr" bIns="45700" lIns="91425" spcFirstLastPara="1" rIns="91425" wrap="square" tIns="45700">
+              <a:noAutofit/>
+            </a:bodyPr>
+            <a:lstStyle/>
+            <a:p>
+              <a:pPr indent="0" lvl="0" marL="0" marR="0" rtl="0" algn="ctr">
+                <a:spcBef>
+                  <a:spcPts val="0"/>
+                </a:spcBef>
+                <a:spcAft>
+                  <a:spcPts val="0"/>
+                </a:spcAft>
+                <a:buNone/>
+              </a:pPr>
+              <a:r>
+                <a:t/>
+              </a:r>
+              <a:endParaRPr b="0" sz="1800" u="none">
+                <a:solidFill>
+                  <a:schemeClr val="lt1"/>
+                </a:solidFill>
+                <a:latin typeface="Arial"/>
+                <a:ea typeface="Arial"/>
+                <a:cs typeface="Arial"/>
+                <a:sym typeface="Arial"/>
+              </a:endParaRPr>
+            </a:p>
+          </p:txBody>
+        </p:sp>
+        <p:sp>
+          <p:nvSpPr>
+            <p:cNvPr id="222" name="Google Shape;222;p1"/>
+            <p:cNvSpPr/>
+            <p:nvPr/>
+          </p:nvSpPr>
+          <p:spPr>
+            <a:xfrm>
+              <a:off x="5255538" y="3733800"/>
+              <a:ext cx="263400" cy="263400"/>
+            </a:xfrm>
+            <a:prstGeom prst="ellipse">
+              <a:avLst/>
+            </a:prstGeom>
+            <a:solidFill>
+              <a:schemeClr val="lt1"/>
+            </a:solidFill>
+            <a:ln cap="flat" cmpd="sng" w="9525">
+              <a:solidFill>
+                <a:schemeClr val="dk1"/>
+              </a:solidFill>
+              <a:prstDash val="solid"/>
+              <a:round/>
+              <a:headEnd len="sm" w="sm" type="none"/>
+              <a:tailEnd len="sm" w="sm" type="none"/>
+            </a:ln>
+            <a:effectLst>
+              <a:outerShdw blurRad="40000" rotWithShape="0" dir="5400000" dist="23000">
+                <a:srgbClr val="000000">
+                  <a:alpha val="34900"/>
+                </a:srgbClr>
+              </a:outerShdw>
+            </a:effectLst>
+          </p:spPr>
+          <p:txBody>
+            <a:bodyPr anchorCtr="0" anchor="ctr" bIns="45700" lIns="91425" spcFirstLastPara="1" rIns="91425" wrap="square" tIns="45700">
+              <a:noAutofit/>
+            </a:bodyPr>
+            <a:lstStyle/>
+            <a:p>
+              <a:pPr indent="0" lvl="0" marL="0" marR="0" rtl="0" algn="ctr">
+                <a:spcBef>
+                  <a:spcPts val="0"/>
+                </a:spcBef>
+                <a:spcAft>
+                  <a:spcPts val="0"/>
+                </a:spcAft>
+                <a:buNone/>
+              </a:pPr>
+              <a:r>
+                <a:t/>
+              </a:r>
+              <a:endParaRPr b="0" sz="1800" u="none">
+                <a:solidFill>
+                  <a:schemeClr val="lt1"/>
+                </a:solidFill>
+                <a:latin typeface="Arial"/>
+                <a:ea typeface="Arial"/>
+                <a:cs typeface="Arial"/>
+                <a:sym typeface="Arial"/>
+              </a:endParaRPr>
+            </a:p>
+          </p:txBody>
+        </p:sp>
+        <p:sp>
+          <p:nvSpPr>
+            <p:cNvPr id="223" name="Google Shape;223;p1"/>
+            <p:cNvSpPr/>
+            <p:nvPr/>
+          </p:nvSpPr>
+          <p:spPr>
+            <a:xfrm>
+              <a:off x="5975584" y="3746346"/>
+              <a:ext cx="263400" cy="263400"/>
+            </a:xfrm>
+            <a:prstGeom prst="ellipse">
+              <a:avLst/>
+            </a:prstGeom>
+            <a:solidFill>
+              <a:schemeClr val="lt1"/>
+            </a:solidFill>
+            <a:ln cap="flat" cmpd="sng" w="9525">
+              <a:solidFill>
+                <a:schemeClr val="dk1"/>
+              </a:solidFill>
+              <a:prstDash val="solid"/>
+              <a:round/>
+              <a:headEnd len="sm" w="sm" type="none"/>
+              <a:tailEnd len="sm" w="sm" type="none"/>
+            </a:ln>
+            <a:effectLst>
+              <a:outerShdw blurRad="40000" rotWithShape="0" dir="5400000" dist="23000">
+                <a:srgbClr val="000000">
+                  <a:alpha val="34900"/>
+                </a:srgbClr>
+              </a:outerShdw>
+            </a:effectLst>
+          </p:spPr>
+          <p:txBody>
+            <a:bodyPr anchorCtr="0" anchor="ctr" bIns="45700" lIns="91425" spcFirstLastPara="1" rIns="91425" wrap="square" tIns="45700">
+              <a:noAutofit/>
+            </a:bodyPr>
+            <a:lstStyle/>
+            <a:p>
+              <a:pPr indent="0" lvl="0" marL="0" marR="0" rtl="0" algn="ctr">
+                <a:spcBef>
+                  <a:spcPts val="0"/>
+                </a:spcBef>
+                <a:spcAft>
+                  <a:spcPts val="0"/>
+                </a:spcAft>
+                <a:buNone/>
+              </a:pPr>
+              <a:r>
+                <a:t/>
+              </a:r>
+              <a:endParaRPr b="0" sz="1800" u="none">
+                <a:solidFill>
+                  <a:schemeClr val="lt1"/>
+                </a:solidFill>
+                <a:latin typeface="Arial"/>
+                <a:ea typeface="Arial"/>
+                <a:cs typeface="Arial"/>
+                <a:sym typeface="Arial"/>
+              </a:endParaRPr>
+            </a:p>
+          </p:txBody>
+        </p:sp>
+        <p:sp>
+          <p:nvSpPr>
+            <p:cNvPr id="224" name="Google Shape;224;p1"/>
+            <p:cNvSpPr/>
+            <p:nvPr/>
+          </p:nvSpPr>
+          <p:spPr>
+            <a:xfrm>
+              <a:off x="6282510" y="3737398"/>
+              <a:ext cx="263400" cy="263400"/>
+            </a:xfrm>
+            <a:prstGeom prst="ellipse">
+              <a:avLst/>
+            </a:prstGeom>
+            <a:solidFill>
+              <a:schemeClr val="lt1"/>
+            </a:solidFill>
+            <a:ln cap="flat" cmpd="sng" w="9525">
+              <a:solidFill>
+                <a:schemeClr val="dk1"/>
+              </a:solidFill>
+              <a:prstDash val="solid"/>
+              <a:round/>
+              <a:headEnd len="sm" w="sm" type="none"/>
+              <a:tailEnd len="sm" w="sm" type="none"/>
+            </a:ln>
+            <a:effectLst>
+              <a:outerShdw blurRad="40000" rotWithShape="0" dir="5400000" dist="23000">
+                <a:srgbClr val="000000">
+                  <a:alpha val="34900"/>
+                </a:srgbClr>
+              </a:outerShdw>
+            </a:effectLst>
+          </p:spPr>
+          <p:txBody>
+            <a:bodyPr anchorCtr="0" anchor="ctr" bIns="45700" lIns="91425" spcFirstLastPara="1" rIns="91425" wrap="square" tIns="45700">
+              <a:noAutofit/>
+            </a:bodyPr>
+            <a:lstStyle/>
+            <a:p>
+              <a:pPr indent="0" lvl="0" marL="0" marR="0" rtl="0" algn="ctr">
+                <a:spcBef>
+                  <a:spcPts val="0"/>
+                </a:spcBef>
+                <a:spcAft>
+                  <a:spcPts val="0"/>
+                </a:spcAft>
+                <a:buNone/>
+              </a:pPr>
+              <a:r>
+                <a:t/>
+              </a:r>
+              <a:endParaRPr b="0" sz="1800" u="none">
+                <a:solidFill>
+                  <a:schemeClr val="lt1"/>
+                </a:solidFill>
+                <a:latin typeface="Arial"/>
+                <a:ea typeface="Arial"/>
+                <a:cs typeface="Arial"/>
+                <a:sym typeface="Arial"/>
+              </a:endParaRPr>
+            </a:p>
+          </p:txBody>
+        </p:sp>
+      </p:grpSp>
+      <p:pic>
+        <p:nvPicPr>
+          <p:cNvPr id="225" name="Google Shape;225;p1"/>
+          <p:cNvPicPr preferRelativeResize="0"/>
           <p:nvPr/>
-        </p:nvSpPr>
+        </p:nvPicPr>
+        <p:blipFill>
+          <a:blip r:embed="rId4">
+            <a:alphaModFix/>
+          </a:blip>
+          <a:stretch>
+            <a:fillRect/>
+          </a:stretch>
+        </p:blipFill>
         <p:spPr>
           <a:xfrm>
-            <a:off x="3302754" y="6555503"/>
-            <a:ext cx="335750" cy="369332"/>
+            <a:off x="1100425" y="3322275"/>
+            <a:ext cx="409575" cy="1276350"/>
           </a:xfrm>
           <a:prstGeom prst="rect">
             <a:avLst/>
@@ -20077,37 +19783,91 @@
             <a:noFill/>
           </a:ln>
         </p:spPr>
-        <p:txBody>
-          <a:bodyPr anchorCtr="0" anchor="t" bIns="45700" lIns="91425" spcFirstLastPara="1" rIns="91425" wrap="square" tIns="45700">
-            <a:spAutoFit/>
-          </a:bodyPr>
-          <a:lstStyle/>
-          <a:p>
-            <a:pPr indent="0" lvl="0" marL="0" marR="0" rtl="0" algn="l">
-              <a:spcBef>
-                <a:spcPts val="0"/>
-              </a:spcBef>
-              <a:spcAft>
-                <a:spcPts val="0"/>
-              </a:spcAft>
-              <a:buNone/>
-            </a:pPr>
-            <a:r>
-              <a:rPr b="1" lang="en-US" sz="1800">
-                <a:solidFill>
-                  <a:schemeClr val="dk1"/>
-                </a:solidFill>
-                <a:latin typeface="Arial"/>
-                <a:ea typeface="Arial"/>
-                <a:cs typeface="Arial"/>
-                <a:sym typeface="Arial"/>
-              </a:rPr>
-              <a:t>A</a:t>
-            </a:r>
-            <a:endParaRPr/>
-          </a:p>
-        </p:txBody>
-      </p:sp>
+      </p:pic>
+      <p:pic>
+        <p:nvPicPr>
+          <p:cNvPr id="226" name="Google Shape;226;p1"/>
+          <p:cNvPicPr preferRelativeResize="0"/>
+          <p:nvPr/>
+        </p:nvPicPr>
+        <p:blipFill>
+          <a:blip r:embed="rId5">
+            <a:alphaModFix/>
+          </a:blip>
+          <a:stretch>
+            <a:fillRect/>
+          </a:stretch>
+        </p:blipFill>
+        <p:spPr>
+          <a:xfrm>
+            <a:off x="1725525" y="3394975"/>
+            <a:ext cx="409575" cy="1276350"/>
+          </a:xfrm>
+          <a:prstGeom prst="rect">
+            <a:avLst/>
+          </a:prstGeom>
+          <a:noFill/>
+          <a:ln>
+            <a:noFill/>
+          </a:ln>
+        </p:spPr>
+      </p:pic>
+      <p:pic>
+        <p:nvPicPr>
+          <p:cNvPr id="227" name="Google Shape;227;p1"/>
+          <p:cNvPicPr preferRelativeResize="0"/>
+          <p:nvPr/>
+        </p:nvPicPr>
+        <p:blipFill>
+          <a:blip r:embed="rId6">
+            <a:alphaModFix/>
+          </a:blip>
+          <a:stretch>
+            <a:fillRect/>
+          </a:stretch>
+        </p:blipFill>
+        <p:spPr>
+          <a:xfrm>
+            <a:off x="3422175" y="2834638"/>
+            <a:ext cx="295275" cy="809625"/>
+          </a:xfrm>
+          <a:prstGeom prst="rect">
+            <a:avLst/>
+          </a:prstGeom>
+          <a:noFill/>
+          <a:ln>
+            <a:noFill/>
+          </a:ln>
+        </p:spPr>
+      </p:pic>
+      <p:pic>
+        <p:nvPicPr>
+          <p:cNvPr id="228" name="Google Shape;228;p1"/>
+          <p:cNvPicPr preferRelativeResize="0"/>
+          <p:nvPr/>
+        </p:nvPicPr>
+        <p:blipFill>
+          <a:blip r:embed="rId7">
+            <a:alphaModFix/>
+          </a:blip>
+          <a:stretch>
+            <a:fillRect/>
+          </a:stretch>
+        </p:blipFill>
+        <p:spPr>
+          <a:xfrm>
+            <a:off x="3306425" y="6385266"/>
+            <a:ext cx="533400" cy="556932"/>
+          </a:xfrm>
+          <a:prstGeom prst="rect">
+            <a:avLst/>
+          </a:prstGeom>
+          <a:noFill/>
+          <a:ln>
+            <a:noFill/>
+          </a:ln>
+        </p:spPr>
+      </p:pic>
     </p:spTree>
   </p:cSld>
   <p:clrMapOvr>
@@ -20128,7 +19888,7 @@
     </p:bg>
     <p:spTree>
       <p:nvGrpSpPr>
-        <p:cNvPr id="234" name="Shape 234"/>
+        <p:cNvPr id="233" name="Shape 233"/>
         <p:cNvGrpSpPr/>
         <p:nvPr/>
       </p:nvGrpSpPr>
@@ -20142,7 +19902,7 @@
       </p:grpSpPr>
       <p:pic>
         <p:nvPicPr>
-          <p:cNvPr descr="C:\Documents and Settings\All Users\Documents\TAPS Files\dvc1.gif" id="235" name="Google Shape;235;ge6192fd878_0_0"/>
+          <p:cNvPr descr="C:\Documents and Settings\All Users\Documents\TAPS Files\dvc1.gif" id="234" name="Google Shape;234;ge6192fd878_0_0"/>
           <p:cNvPicPr preferRelativeResize="0"/>
           <p:nvPr/>
         </p:nvPicPr>
@@ -20169,7 +19929,7 @@
       </p:pic>
       <p:graphicFrame>
         <p:nvGraphicFramePr>
-          <p:cNvPr id="236" name="Google Shape;236;ge6192fd878_0_0"/>
+          <p:cNvPr id="235" name="Google Shape;235;ge6192fd878_0_0"/>
           <p:cNvGraphicFramePr/>
           <p:nvPr/>
         </p:nvGraphicFramePr>
@@ -20182,7 +19942,7 @@
             <a:tbl>
               <a:tblPr>
                 <a:noFill/>
-                <a:tableStyleId>{F558A0DD-9808-4A8E-88B4-F0BD03F6818E}</a:tableStyleId>
+                <a:tableStyleId>{67232CB1-F7A5-42D2-BFBC-9A6608A62D09}</a:tableStyleId>
               </a:tblPr>
               <a:tblGrid>
                 <a:gridCol w="6629400"/>
@@ -20342,7 +20102,7 @@
                       </a:r>
                       <a:r>
                         <a:rPr lang="en-US" sz="1100"/>
-                        <a:t>34</a:t>
+                        <a:t>33</a:t>
                       </a:r>
                       <a:r>
                         <a:rPr lang="en-US" sz="1100" u="none" cap="none" strike="noStrike"/>
@@ -20350,15 +20110,23 @@
                       </a:r>
                       <a:r>
                         <a:rPr lang="en-US" sz="1100"/>
-                        <a:t>70</a:t>
+                        <a:t>65 </a:t>
                       </a:r>
                       <a:r>
                         <a:rPr lang="en-US" sz="1100" u="none" cap="none" strike="noStrike"/>
-                        <a:t> point Comstock Long course. There are 11 metric targets and 1</a:t>
+                        <a:t>point Comstock Long course. There are 1</a:t>
                       </a:r>
                       <a:r>
                         <a:rPr lang="en-US" sz="1100"/>
-                        <a:t>2</a:t>
+                        <a:t>3</a:t>
+                      </a:r>
+                      <a:r>
+                        <a:rPr lang="en-US" sz="1100" u="none" cap="none" strike="noStrike"/>
+                        <a:t> metric targets and </a:t>
+                      </a:r>
+                      <a:r>
+                        <a:rPr lang="en-US" sz="1100"/>
+                        <a:t>7</a:t>
                       </a:r>
                       <a:r>
                         <a:rPr lang="en-US" sz="1100" u="none" cap="none" strike="noStrike"/>
@@ -20491,7 +20259,7 @@
                             <a:schemeClr val="dk1"/>
                           </a:solidFill>
                         </a:rPr>
-                        <a:t>All other magazines to be used during the course of fire must be on barrel A at the start signal. </a:t>
+                        <a:t>All other magazines to be used during the course of fire must be on the table at the start signal. </a:t>
                       </a:r>
                       <a:endParaRPr sz="1100"/>
                     </a:p>
@@ -20535,7 +20303,7 @@
                             <a:schemeClr val="dk1"/>
                           </a:solidFill>
                         </a:rPr>
-                        <a:t>. All other magazines to be used during the course of fire must be on barrel A at the start signal. </a:t>
+                        <a:t>. All other magazines to be used during the course of fire must be on the table at the start signal. </a:t>
                       </a:r>
                       <a:endParaRPr sz="1100" u="none" cap="none" strike="noStrike">
                         <a:solidFill>
